--- a/2 Графический материал/А1-Пользовательский-интерфейс.pptx
+++ b/2 Графический материал/А1-Пользовательский-интерфейс.pptx
@@ -254,7 +254,7 @@
           <a:p>
             <a:fld id="{E8A4B1B9-4F36-7644-AF30-79E82A5C06E8}" type="datetimeFigureOut">
               <a:rPr lang="ru-BY" smtClean="0"/>
-              <a:t>23.05.2020</a:t>
+              <a:t>25.05.2020</a:t>
             </a:fld>
             <a:endParaRPr lang="ru-BY"/>
           </a:p>
@@ -424,7 +424,7 @@
           <a:p>
             <a:fld id="{E8A4B1B9-4F36-7644-AF30-79E82A5C06E8}" type="datetimeFigureOut">
               <a:rPr lang="ru-BY" smtClean="0"/>
-              <a:t>23.05.2020</a:t>
+              <a:t>25.05.2020</a:t>
             </a:fld>
             <a:endParaRPr lang="ru-BY"/>
           </a:p>
@@ -604,7 +604,7 @@
           <a:p>
             <a:fld id="{E8A4B1B9-4F36-7644-AF30-79E82A5C06E8}" type="datetimeFigureOut">
               <a:rPr lang="ru-BY" smtClean="0"/>
-              <a:t>23.05.2020</a:t>
+              <a:t>25.05.2020</a:t>
             </a:fld>
             <a:endParaRPr lang="ru-BY"/>
           </a:p>
@@ -774,7 +774,7 @@
           <a:p>
             <a:fld id="{E8A4B1B9-4F36-7644-AF30-79E82A5C06E8}" type="datetimeFigureOut">
               <a:rPr lang="ru-BY" smtClean="0"/>
-              <a:t>23.05.2020</a:t>
+              <a:t>25.05.2020</a:t>
             </a:fld>
             <a:endParaRPr lang="ru-BY"/>
           </a:p>
@@ -1018,7 +1018,7 @@
           <a:p>
             <a:fld id="{E8A4B1B9-4F36-7644-AF30-79E82A5C06E8}" type="datetimeFigureOut">
               <a:rPr lang="ru-BY" smtClean="0"/>
-              <a:t>23.05.2020</a:t>
+              <a:t>25.05.2020</a:t>
             </a:fld>
             <a:endParaRPr lang="ru-BY"/>
           </a:p>
@@ -1250,7 +1250,7 @@
           <a:p>
             <a:fld id="{E8A4B1B9-4F36-7644-AF30-79E82A5C06E8}" type="datetimeFigureOut">
               <a:rPr lang="ru-BY" smtClean="0"/>
-              <a:t>23.05.2020</a:t>
+              <a:t>25.05.2020</a:t>
             </a:fld>
             <a:endParaRPr lang="ru-BY"/>
           </a:p>
@@ -1617,7 +1617,7 @@
           <a:p>
             <a:fld id="{E8A4B1B9-4F36-7644-AF30-79E82A5C06E8}" type="datetimeFigureOut">
               <a:rPr lang="ru-BY" smtClean="0"/>
-              <a:t>23.05.2020</a:t>
+              <a:t>25.05.2020</a:t>
             </a:fld>
             <a:endParaRPr lang="ru-BY"/>
           </a:p>
@@ -1735,7 +1735,7 @@
           <a:p>
             <a:fld id="{E8A4B1B9-4F36-7644-AF30-79E82A5C06E8}" type="datetimeFigureOut">
               <a:rPr lang="ru-BY" smtClean="0"/>
-              <a:t>23.05.2020</a:t>
+              <a:t>25.05.2020</a:t>
             </a:fld>
             <a:endParaRPr lang="ru-BY"/>
           </a:p>
@@ -1830,7 +1830,7 @@
           <a:p>
             <a:fld id="{E8A4B1B9-4F36-7644-AF30-79E82A5C06E8}" type="datetimeFigureOut">
               <a:rPr lang="ru-BY" smtClean="0"/>
-              <a:t>23.05.2020</a:t>
+              <a:t>25.05.2020</a:t>
             </a:fld>
             <a:endParaRPr lang="ru-BY"/>
           </a:p>
@@ -2107,7 +2107,7 @@
           <a:p>
             <a:fld id="{E8A4B1B9-4F36-7644-AF30-79E82A5C06E8}" type="datetimeFigureOut">
               <a:rPr lang="ru-BY" smtClean="0"/>
-              <a:t>23.05.2020</a:t>
+              <a:t>25.05.2020</a:t>
             </a:fld>
             <a:endParaRPr lang="ru-BY"/>
           </a:p>
@@ -2364,7 +2364,7 @@
           <a:p>
             <a:fld id="{E8A4B1B9-4F36-7644-AF30-79E82A5C06E8}" type="datetimeFigureOut">
               <a:rPr lang="ru-BY" smtClean="0"/>
-              <a:t>23.05.2020</a:t>
+              <a:t>25.05.2020</a:t>
             </a:fld>
             <a:endParaRPr lang="ru-BY"/>
           </a:p>
@@ -2577,7 +2577,7 @@
           <a:p>
             <a:fld id="{E8A4B1B9-4F36-7644-AF30-79E82A5C06E8}" type="datetimeFigureOut">
               <a:rPr lang="ru-BY" smtClean="0"/>
-              <a:t>23.05.2020</a:t>
+              <a:t>25.05.2020</a:t>
             </a:fld>
             <a:endParaRPr lang="ru-BY"/>
           </a:p>
@@ -3010,8 +3010,8 @@
         </p:blipFill>
         <p:spPr>
           <a:xfrm>
-            <a:off x="19191708" y="1141459"/>
-            <a:ext cx="3726000" cy="8280000"/>
+            <a:off x="19389420" y="2228875"/>
+            <a:ext cx="3240000" cy="7200000"/>
           </a:xfrm>
           <a:prstGeom prst="rect">
             <a:avLst/>
@@ -3046,8 +3046,8 @@
         </p:blipFill>
         <p:spPr>
           <a:xfrm>
-            <a:off x="25110533" y="1138145"/>
-            <a:ext cx="3726000" cy="8280000"/>
+            <a:off x="25308245" y="2225561"/>
+            <a:ext cx="3240000" cy="7200000"/>
           </a:xfrm>
           <a:prstGeom prst="rect">
             <a:avLst/>
@@ -3082,8 +3082,8 @@
         </p:blipFill>
         <p:spPr>
           <a:xfrm>
-            <a:off x="7356356" y="11065559"/>
-            <a:ext cx="3726000" cy="8280000"/>
+            <a:off x="7554068" y="10966703"/>
+            <a:ext cx="3240000" cy="7200000"/>
           </a:xfrm>
           <a:prstGeom prst="rect">
             <a:avLst/>
@@ -3118,8 +3118,8 @@
         </p:blipFill>
         <p:spPr>
           <a:xfrm>
-            <a:off x="1437914" y="11065558"/>
-            <a:ext cx="3725616" cy="8280000"/>
+            <a:off x="1635626" y="10966702"/>
+            <a:ext cx="3239600" cy="7200000"/>
           </a:xfrm>
           <a:prstGeom prst="rect">
             <a:avLst/>
@@ -3154,8 +3154,8 @@
         </p:blipFill>
         <p:spPr>
           <a:xfrm>
-            <a:off x="19193747" y="11065558"/>
-            <a:ext cx="3723961" cy="8276686"/>
+            <a:off x="19391459" y="10966702"/>
+            <a:ext cx="3239600" cy="7200000"/>
           </a:xfrm>
           <a:prstGeom prst="rect">
             <a:avLst/>
@@ -3190,8 +3190,8 @@
         </p:blipFill>
         <p:spPr>
           <a:xfrm>
-            <a:off x="13272882" y="11065558"/>
-            <a:ext cx="3724124" cy="8276686"/>
+            <a:off x="13470594" y="10966702"/>
+            <a:ext cx="3239600" cy="7200000"/>
           </a:xfrm>
           <a:prstGeom prst="rect">
             <a:avLst/>
@@ -3226,8 +3226,8 @@
         </p:blipFill>
         <p:spPr>
           <a:xfrm>
-            <a:off x="7356355" y="1134830"/>
-            <a:ext cx="3726000" cy="8280000"/>
+            <a:off x="7554067" y="2222246"/>
+            <a:ext cx="3240000" cy="7200000"/>
           </a:xfrm>
           <a:prstGeom prst="rect">
             <a:avLst/>
@@ -3262,8 +3262,8 @@
         </p:blipFill>
         <p:spPr>
           <a:xfrm>
-            <a:off x="25114449" y="11065558"/>
-            <a:ext cx="3725506" cy="8280000"/>
+            <a:off x="25312161" y="10966702"/>
+            <a:ext cx="3239600" cy="7200000"/>
           </a:xfrm>
           <a:prstGeom prst="rect">
             <a:avLst/>
@@ -3298,8 +3298,8 @@
         </p:blipFill>
         <p:spPr>
           <a:xfrm>
-            <a:off x="1438680" y="1141459"/>
-            <a:ext cx="3724850" cy="8280000"/>
+            <a:off x="1636390" y="2228875"/>
+            <a:ext cx="3239000" cy="7200000"/>
           </a:xfrm>
           <a:prstGeom prst="rect">
             <a:avLst/>
@@ -3334,8 +3334,8 @@
         </p:blipFill>
         <p:spPr>
           <a:xfrm>
-            <a:off x="13275181" y="1138145"/>
-            <a:ext cx="3724850" cy="8276685"/>
+            <a:off x="13470594" y="2222246"/>
+            <a:ext cx="3240200" cy="7200000"/>
           </a:xfrm>
           <a:prstGeom prst="rect">
             <a:avLst/>
@@ -3356,7 +3356,7 @@
         </p:nvSpPr>
         <p:spPr>
           <a:xfrm>
-            <a:off x="602561" y="9509564"/>
+            <a:off x="508537" y="9422245"/>
             <a:ext cx="5390148" cy="1200329"/>
           </a:xfrm>
           <a:prstGeom prst="rect">
@@ -3394,7 +3394,7 @@
         </p:nvSpPr>
         <p:spPr>
           <a:xfrm>
-            <a:off x="12439870" y="19342244"/>
+            <a:off x="12379884" y="18166700"/>
             <a:ext cx="5390148" cy="1754326"/>
           </a:xfrm>
           <a:prstGeom prst="rect">
@@ -3413,7 +3413,7 @@
               <a:rPr lang="ru-BY" sz="3600" i="1" dirty="0">
                 <a:latin typeface="ISOCPEUR" panose="020B0604020202020204" pitchFamily="34" charset="0"/>
               </a:rPr>
-              <a:t>Экран просмотра стреднестатистических данных</a:t>
+              <a:t>Экран просмотра среднестатистических данных</a:t>
             </a:r>
           </a:p>
         </p:txBody>
@@ -3432,7 +3432,7 @@
         </p:nvSpPr>
         <p:spPr>
           <a:xfrm>
-            <a:off x="6523707" y="9414830"/>
+            <a:off x="6474374" y="9468412"/>
             <a:ext cx="5390148" cy="1200329"/>
           </a:xfrm>
           <a:prstGeom prst="rect">
@@ -3470,7 +3470,7 @@
         </p:nvSpPr>
         <p:spPr>
           <a:xfrm>
-            <a:off x="12439870" y="9414829"/>
+            <a:off x="12395521" y="9422246"/>
             <a:ext cx="5390148" cy="1200329"/>
           </a:xfrm>
           <a:prstGeom prst="rect">
@@ -3508,7 +3508,7 @@
         </p:nvSpPr>
         <p:spPr>
           <a:xfrm>
-            <a:off x="18331265" y="9414828"/>
+            <a:off x="18361358" y="9428875"/>
             <a:ext cx="5390148" cy="646331"/>
           </a:xfrm>
           <a:prstGeom prst="rect">
@@ -3546,7 +3546,7 @@
         </p:nvSpPr>
         <p:spPr>
           <a:xfrm>
-            <a:off x="24282504" y="9414828"/>
+            <a:off x="24233171" y="9422246"/>
             <a:ext cx="5390148" cy="646331"/>
           </a:xfrm>
           <a:prstGeom prst="rect">
@@ -3584,7 +3584,7 @@
         </p:nvSpPr>
         <p:spPr>
           <a:xfrm>
-            <a:off x="6504062" y="19342244"/>
+            <a:off x="6474374" y="18166702"/>
             <a:ext cx="5390148" cy="1200329"/>
           </a:xfrm>
           <a:prstGeom prst="rect">
@@ -3633,7 +3633,7 @@
         </p:nvSpPr>
         <p:spPr>
           <a:xfrm>
-            <a:off x="568254" y="19342244"/>
+            <a:off x="568864" y="18166701"/>
             <a:ext cx="5390148" cy="1200329"/>
           </a:xfrm>
           <a:prstGeom prst="rect">
@@ -3671,7 +3671,7 @@
         </p:nvSpPr>
         <p:spPr>
           <a:xfrm>
-            <a:off x="18325723" y="19361772"/>
+            <a:off x="18314346" y="18166701"/>
             <a:ext cx="5390148" cy="646331"/>
           </a:xfrm>
           <a:prstGeom prst="rect">
@@ -3709,7 +3709,7 @@
         </p:nvSpPr>
         <p:spPr>
           <a:xfrm>
-            <a:off x="24211576" y="19342243"/>
+            <a:off x="24233171" y="18166700"/>
             <a:ext cx="5390148" cy="1200329"/>
           </a:xfrm>
           <a:prstGeom prst="rect">
@@ -3729,6 +3729,43 @@
                 <a:latin typeface="ISOCPEUR" panose="020B0604020202020204" pitchFamily="34" charset="0"/>
               </a:rPr>
               <a:t>Экран профиля пользователя</a:t>
+            </a:r>
+          </a:p>
+        </p:txBody>
+      </p:sp>
+      <p:sp>
+        <p:nvSpPr>
+          <p:cNvPr id="2" name="TextBox 1">
+            <a:extLst>
+              <a:ext uri="{FF2B5EF4-FFF2-40B4-BE49-F238E27FC236}">
+                <a16:creationId xmlns:a16="http://schemas.microsoft.com/office/drawing/2014/main" id="{0E9F8F7C-7F46-5740-A7D3-0023914328CC}"/>
+              </a:ext>
+            </a:extLst>
+          </p:cNvPr>
+          <p:cNvSpPr txBox="1"/>
+          <p:nvPr/>
+        </p:nvSpPr>
+        <p:spPr>
+          <a:xfrm>
+            <a:off x="6538937" y="566778"/>
+            <a:ext cx="17197337" cy="1015663"/>
+          </a:xfrm>
+          <a:prstGeom prst="rect">
+            <a:avLst/>
+          </a:prstGeom>
+          <a:noFill/>
+        </p:spPr>
+        <p:txBody>
+          <a:bodyPr wrap="none" rtlCol="0">
+            <a:spAutoFit/>
+          </a:bodyPr>
+          <a:lstStyle/>
+          <a:p>
+            <a:r>
+              <a:rPr lang="ru-BY" sz="6000" i="1" dirty="0">
+                <a:latin typeface="ISOCPEUR" panose="020B0604020202020204" pitchFamily="34" charset="0"/>
+              </a:rPr>
+              <a:t>Пользовательский интерфейс программного средства</a:t>
             </a:r>
           </a:p>
         </p:txBody>

--- a/2 Графический материал/А1-Пользовательский-интерфейс.pptx
+++ b/2 Графический материал/А1-Пользовательский-интерфейс.pptx
@@ -254,7 +254,7 @@
           <a:p>
             <a:fld id="{E8A4B1B9-4F36-7644-AF30-79E82A5C06E8}" type="datetimeFigureOut">
               <a:rPr lang="ru-BY" smtClean="0"/>
-              <a:t>25.05.2020</a:t>
+              <a:t>26.05.2020</a:t>
             </a:fld>
             <a:endParaRPr lang="ru-BY"/>
           </a:p>
@@ -424,7 +424,7 @@
           <a:p>
             <a:fld id="{E8A4B1B9-4F36-7644-AF30-79E82A5C06E8}" type="datetimeFigureOut">
               <a:rPr lang="ru-BY" smtClean="0"/>
-              <a:t>25.05.2020</a:t>
+              <a:t>26.05.2020</a:t>
             </a:fld>
             <a:endParaRPr lang="ru-BY"/>
           </a:p>
@@ -604,7 +604,7 @@
           <a:p>
             <a:fld id="{E8A4B1B9-4F36-7644-AF30-79E82A5C06E8}" type="datetimeFigureOut">
               <a:rPr lang="ru-BY" smtClean="0"/>
-              <a:t>25.05.2020</a:t>
+              <a:t>26.05.2020</a:t>
             </a:fld>
             <a:endParaRPr lang="ru-BY"/>
           </a:p>
@@ -774,7 +774,7 @@
           <a:p>
             <a:fld id="{E8A4B1B9-4F36-7644-AF30-79E82A5C06E8}" type="datetimeFigureOut">
               <a:rPr lang="ru-BY" smtClean="0"/>
-              <a:t>25.05.2020</a:t>
+              <a:t>26.05.2020</a:t>
             </a:fld>
             <a:endParaRPr lang="ru-BY"/>
           </a:p>
@@ -1018,7 +1018,7 @@
           <a:p>
             <a:fld id="{E8A4B1B9-4F36-7644-AF30-79E82A5C06E8}" type="datetimeFigureOut">
               <a:rPr lang="ru-BY" smtClean="0"/>
-              <a:t>25.05.2020</a:t>
+              <a:t>26.05.2020</a:t>
             </a:fld>
             <a:endParaRPr lang="ru-BY"/>
           </a:p>
@@ -1250,7 +1250,7 @@
           <a:p>
             <a:fld id="{E8A4B1B9-4F36-7644-AF30-79E82A5C06E8}" type="datetimeFigureOut">
               <a:rPr lang="ru-BY" smtClean="0"/>
-              <a:t>25.05.2020</a:t>
+              <a:t>26.05.2020</a:t>
             </a:fld>
             <a:endParaRPr lang="ru-BY"/>
           </a:p>
@@ -1617,7 +1617,7 @@
           <a:p>
             <a:fld id="{E8A4B1B9-4F36-7644-AF30-79E82A5C06E8}" type="datetimeFigureOut">
               <a:rPr lang="ru-BY" smtClean="0"/>
-              <a:t>25.05.2020</a:t>
+              <a:t>26.05.2020</a:t>
             </a:fld>
             <a:endParaRPr lang="ru-BY"/>
           </a:p>
@@ -1735,7 +1735,7 @@
           <a:p>
             <a:fld id="{E8A4B1B9-4F36-7644-AF30-79E82A5C06E8}" type="datetimeFigureOut">
               <a:rPr lang="ru-BY" smtClean="0"/>
-              <a:t>25.05.2020</a:t>
+              <a:t>26.05.2020</a:t>
             </a:fld>
             <a:endParaRPr lang="ru-BY"/>
           </a:p>
@@ -1830,7 +1830,7 @@
           <a:p>
             <a:fld id="{E8A4B1B9-4F36-7644-AF30-79E82A5C06E8}" type="datetimeFigureOut">
               <a:rPr lang="ru-BY" smtClean="0"/>
-              <a:t>25.05.2020</a:t>
+              <a:t>26.05.2020</a:t>
             </a:fld>
             <a:endParaRPr lang="ru-BY"/>
           </a:p>
@@ -2107,7 +2107,7 @@
           <a:p>
             <a:fld id="{E8A4B1B9-4F36-7644-AF30-79E82A5C06E8}" type="datetimeFigureOut">
               <a:rPr lang="ru-BY" smtClean="0"/>
-              <a:t>25.05.2020</a:t>
+              <a:t>26.05.2020</a:t>
             </a:fld>
             <a:endParaRPr lang="ru-BY"/>
           </a:p>
@@ -2364,7 +2364,7 @@
           <a:p>
             <a:fld id="{E8A4B1B9-4F36-7644-AF30-79E82A5C06E8}" type="datetimeFigureOut">
               <a:rPr lang="ru-BY" smtClean="0"/>
-              <a:t>25.05.2020</a:t>
+              <a:t>26.05.2020</a:t>
             </a:fld>
             <a:endParaRPr lang="ru-BY"/>
           </a:p>
@@ -2577,7 +2577,7 @@
           <a:p>
             <a:fld id="{E8A4B1B9-4F36-7644-AF30-79E82A5C06E8}" type="datetimeFigureOut">
               <a:rPr lang="ru-BY" smtClean="0"/>
-              <a:t>25.05.2020</a:t>
+              <a:t>26.05.2020</a:t>
             </a:fld>
             <a:endParaRPr lang="ru-BY"/>
           </a:p>
@@ -3010,7 +3010,7 @@
         </p:blipFill>
         <p:spPr>
           <a:xfrm>
-            <a:off x="19389420" y="2228875"/>
+            <a:off x="19389420" y="3273899"/>
             <a:ext cx="3240000" cy="7200000"/>
           </a:xfrm>
           <a:prstGeom prst="rect">
@@ -3046,7 +3046,7 @@
         </p:blipFill>
         <p:spPr>
           <a:xfrm>
-            <a:off x="25308245" y="2225561"/>
+            <a:off x="25308245" y="3270585"/>
             <a:ext cx="3240000" cy="7200000"/>
           </a:xfrm>
           <a:prstGeom prst="rect">
@@ -3082,7 +3082,7 @@
         </p:blipFill>
         <p:spPr>
           <a:xfrm>
-            <a:off x="7554068" y="10966703"/>
+            <a:off x="7554068" y="12700253"/>
             <a:ext cx="3240000" cy="7200000"/>
           </a:xfrm>
           <a:prstGeom prst="rect">
@@ -3118,7 +3118,7 @@
         </p:blipFill>
         <p:spPr>
           <a:xfrm>
-            <a:off x="1635626" y="10966702"/>
+            <a:off x="1635626" y="12700252"/>
             <a:ext cx="3239600" cy="7200000"/>
           </a:xfrm>
           <a:prstGeom prst="rect">
@@ -3154,7 +3154,7 @@
         </p:blipFill>
         <p:spPr>
           <a:xfrm>
-            <a:off x="19391459" y="10966702"/>
+            <a:off x="19391459" y="12700252"/>
             <a:ext cx="3239600" cy="7200000"/>
           </a:xfrm>
           <a:prstGeom prst="rect">
@@ -3190,7 +3190,7 @@
         </p:blipFill>
         <p:spPr>
           <a:xfrm>
-            <a:off x="13470594" y="10966702"/>
+            <a:off x="13470594" y="12700252"/>
             <a:ext cx="3239600" cy="7200000"/>
           </a:xfrm>
           <a:prstGeom prst="rect">
@@ -3226,7 +3226,7 @@
         </p:blipFill>
         <p:spPr>
           <a:xfrm>
-            <a:off x="7554067" y="2222246"/>
+            <a:off x="7554067" y="3267270"/>
             <a:ext cx="3240000" cy="7200000"/>
           </a:xfrm>
           <a:prstGeom prst="rect">
@@ -3262,7 +3262,7 @@
         </p:blipFill>
         <p:spPr>
           <a:xfrm>
-            <a:off x="25312161" y="10966702"/>
+            <a:off x="25312161" y="12700252"/>
             <a:ext cx="3239600" cy="7200000"/>
           </a:xfrm>
           <a:prstGeom prst="rect">
@@ -3298,7 +3298,7 @@
         </p:blipFill>
         <p:spPr>
           <a:xfrm>
-            <a:off x="1636390" y="2228875"/>
+            <a:off x="1636390" y="3273899"/>
             <a:ext cx="3239000" cy="7200000"/>
           </a:xfrm>
           <a:prstGeom prst="rect">
@@ -3334,7 +3334,7 @@
         </p:blipFill>
         <p:spPr>
           <a:xfrm>
-            <a:off x="13470594" y="2222246"/>
+            <a:off x="13470594" y="3267270"/>
             <a:ext cx="3240200" cy="7200000"/>
           </a:xfrm>
           <a:prstGeom prst="rect">
@@ -3356,7 +3356,7 @@
         </p:nvSpPr>
         <p:spPr>
           <a:xfrm>
-            <a:off x="508537" y="9422245"/>
+            <a:off x="508537" y="2073570"/>
             <a:ext cx="5390148" cy="1200329"/>
           </a:xfrm>
           <a:prstGeom prst="rect">
@@ -3375,7 +3375,18 @@
               <a:rPr lang="ru-BY" sz="3600" i="1" dirty="0">
                 <a:latin typeface="ISOCPEUR" panose="020B0604020202020204" pitchFamily="34" charset="0"/>
               </a:rPr>
-              <a:t>Экран знакомства с приложением</a:t>
+              <a:t>Экран знакомства</a:t>
+            </a:r>
+            <a:br>
+              <a:rPr lang="ru-BY" sz="3600" i="1" dirty="0">
+                <a:latin typeface="ISOCPEUR" panose="020B0604020202020204" pitchFamily="34" charset="0"/>
+              </a:rPr>
+            </a:br>
+            <a:r>
+              <a:rPr lang="ru-BY" sz="3600" i="1" dirty="0">
+                <a:latin typeface="ISOCPEUR" panose="020B0604020202020204" pitchFamily="34" charset="0"/>
+              </a:rPr>
+              <a:t>с приложением</a:t>
             </a:r>
           </a:p>
         </p:txBody>
@@ -3394,8 +3405,8 @@
         </p:nvSpPr>
         <p:spPr>
           <a:xfrm>
-            <a:off x="12379884" y="18166700"/>
-            <a:ext cx="5390148" cy="1754326"/>
+            <a:off x="12393080" y="11499923"/>
+            <a:ext cx="5390148" cy="1200329"/>
           </a:xfrm>
           <a:prstGeom prst="rect">
             <a:avLst/>
@@ -3413,7 +3424,7 @@
               <a:rPr lang="ru-BY" sz="3600" i="1" dirty="0">
                 <a:latin typeface="ISOCPEUR" panose="020B0604020202020204" pitchFamily="34" charset="0"/>
               </a:rPr>
-              <a:t>Экран просмотра среднестатистических данных</a:t>
+              <a:t>Экран просмотра средне-статистических данных</a:t>
             </a:r>
           </a:p>
         </p:txBody>
@@ -3432,7 +3443,7 @@
         </p:nvSpPr>
         <p:spPr>
           <a:xfrm>
-            <a:off x="6474374" y="9468412"/>
+            <a:off x="6473755" y="2073570"/>
             <a:ext cx="5390148" cy="1200329"/>
           </a:xfrm>
           <a:prstGeom prst="rect">
@@ -3470,7 +3481,7 @@
         </p:nvSpPr>
         <p:spPr>
           <a:xfrm>
-            <a:off x="12395521" y="9422246"/>
+            <a:off x="12393080" y="2063626"/>
             <a:ext cx="5390148" cy="1200329"/>
           </a:xfrm>
           <a:prstGeom prst="rect">
@@ -3486,10 +3497,27 @@
           <a:p>
             <a:pPr algn="ctr"/>
             <a:r>
+              <a:rPr lang="ru-BY" sz="3600" i="1">
+                <a:latin typeface="ISOCPEUR" panose="020B0604020202020204" pitchFamily="34" charset="0"/>
+              </a:rPr>
+              <a:t>Экран создания</a:t>
+            </a:r>
+            <a:br>
+              <a:rPr lang="ru-BY" sz="3600" i="1">
+                <a:latin typeface="ISOCPEUR" panose="020B0604020202020204" pitchFamily="34" charset="0"/>
+              </a:rPr>
+            </a:br>
+            <a:r>
+              <a:rPr lang="ru-BY" sz="3600" i="1">
+                <a:latin typeface="ISOCPEUR" panose="020B0604020202020204" pitchFamily="34" charset="0"/>
+              </a:rPr>
+              <a:t>учетной </a:t>
+            </a:r>
+            <a:r>
               <a:rPr lang="ru-BY" sz="3600" i="1" dirty="0">
                 <a:latin typeface="ISOCPEUR" panose="020B0604020202020204" pitchFamily="34" charset="0"/>
               </a:rPr>
-              <a:t>Экран создания учетной записи</a:t>
+              <a:t>записи</a:t>
             </a:r>
           </a:p>
         </p:txBody>
@@ -3508,7 +3536,7 @@
         </p:nvSpPr>
         <p:spPr>
           <a:xfrm>
-            <a:off x="18361358" y="9428875"/>
+            <a:off x="18307347" y="2340624"/>
             <a:ext cx="5390148" cy="646331"/>
           </a:xfrm>
           <a:prstGeom prst="rect">
@@ -3546,7 +3574,7 @@
         </p:nvSpPr>
         <p:spPr>
           <a:xfrm>
-            <a:off x="24233171" y="9422246"/>
+            <a:off x="24226672" y="2347255"/>
             <a:ext cx="5390148" cy="646331"/>
           </a:xfrm>
           <a:prstGeom prst="rect">
@@ -3584,7 +3612,7 @@
         </p:nvSpPr>
         <p:spPr>
           <a:xfrm>
-            <a:off x="6474374" y="18166702"/>
+            <a:off x="6477195" y="11499923"/>
             <a:ext cx="5390148" cy="1200329"/>
           </a:xfrm>
           <a:prstGeom prst="rect">
@@ -3633,7 +3661,7 @@
         </p:nvSpPr>
         <p:spPr>
           <a:xfrm>
-            <a:off x="568864" y="18166701"/>
+            <a:off x="561310" y="11499923"/>
             <a:ext cx="5390148" cy="1200329"/>
           </a:xfrm>
           <a:prstGeom prst="rect">
@@ -3671,7 +3699,7 @@
         </p:nvSpPr>
         <p:spPr>
           <a:xfrm>
-            <a:off x="18314346" y="18166701"/>
+            <a:off x="18311146" y="11776921"/>
             <a:ext cx="5390148" cy="646331"/>
           </a:xfrm>
           <a:prstGeom prst="rect">
@@ -3709,7 +3737,7 @@
         </p:nvSpPr>
         <p:spPr>
           <a:xfrm>
-            <a:off x="24233171" y="18166700"/>
+            <a:off x="24226672" y="11499923"/>
             <a:ext cx="5390148" cy="1200329"/>
           </a:xfrm>
           <a:prstGeom prst="rect">
@@ -3747,7 +3775,7 @@
         </p:nvSpPr>
         <p:spPr>
           <a:xfrm>
-            <a:off x="6538937" y="566778"/>
+            <a:off x="6598571" y="566778"/>
             <a:ext cx="17197337" cy="1015663"/>
           </a:xfrm>
           <a:prstGeom prst="rect">
@@ -3766,6 +3794,386 @@
                 <a:latin typeface="ISOCPEUR" panose="020B0604020202020204" pitchFamily="34" charset="0"/>
               </a:rPr>
               <a:t>Пользовательский интерфейс программного средства</a:t>
+            </a:r>
+          </a:p>
+        </p:txBody>
+      </p:sp>
+      <p:sp>
+        <p:nvSpPr>
+          <p:cNvPr id="26" name="TextBox 25">
+            <a:extLst>
+              <a:ext uri="{FF2B5EF4-FFF2-40B4-BE49-F238E27FC236}">
+                <a16:creationId xmlns:a16="http://schemas.microsoft.com/office/drawing/2014/main" id="{17904A61-6FB6-1149-B55C-8679FEAF6346}"/>
+              </a:ext>
+            </a:extLst>
+          </p:cNvPr>
+          <p:cNvSpPr txBox="1"/>
+          <p:nvPr/>
+        </p:nvSpPr>
+        <p:spPr>
+          <a:xfrm>
+            <a:off x="1584111" y="10473899"/>
+            <a:ext cx="3239000" cy="646331"/>
+          </a:xfrm>
+          <a:prstGeom prst="rect">
+            <a:avLst/>
+          </a:prstGeom>
+          <a:noFill/>
+        </p:spPr>
+        <p:txBody>
+          <a:bodyPr wrap="square" rtlCol="0">
+            <a:spAutoFit/>
+          </a:bodyPr>
+          <a:lstStyle/>
+          <a:p>
+            <a:pPr algn="ctr"/>
+            <a:r>
+              <a:rPr lang="ru-BY" sz="3600" i="1" dirty="0">
+                <a:latin typeface="ISOCPEUR" panose="020B0604020202020204" pitchFamily="34" charset="0"/>
+              </a:rPr>
+              <a:t>Рисунок 1</a:t>
+            </a:r>
+          </a:p>
+        </p:txBody>
+      </p:sp>
+      <p:sp>
+        <p:nvSpPr>
+          <p:cNvPr id="27" name="TextBox 26">
+            <a:extLst>
+              <a:ext uri="{FF2B5EF4-FFF2-40B4-BE49-F238E27FC236}">
+                <a16:creationId xmlns:a16="http://schemas.microsoft.com/office/drawing/2014/main" id="{6FCF930F-D336-A342-9152-99509B9C1581}"/>
+              </a:ext>
+            </a:extLst>
+          </p:cNvPr>
+          <p:cNvSpPr txBox="1"/>
+          <p:nvPr/>
+        </p:nvSpPr>
+        <p:spPr>
+          <a:xfrm>
+            <a:off x="7552769" y="10473899"/>
+            <a:ext cx="3239000" cy="646331"/>
+          </a:xfrm>
+          <a:prstGeom prst="rect">
+            <a:avLst/>
+          </a:prstGeom>
+          <a:noFill/>
+        </p:spPr>
+        <p:txBody>
+          <a:bodyPr wrap="square" rtlCol="0">
+            <a:spAutoFit/>
+          </a:bodyPr>
+          <a:lstStyle/>
+          <a:p>
+            <a:pPr algn="ctr"/>
+            <a:r>
+              <a:rPr lang="ru-BY" sz="3600" i="1" dirty="0">
+                <a:latin typeface="ISOCPEUR" panose="020B0604020202020204" pitchFamily="34" charset="0"/>
+              </a:rPr>
+              <a:t>Рисунок 2</a:t>
+            </a:r>
+          </a:p>
+        </p:txBody>
+      </p:sp>
+      <p:sp>
+        <p:nvSpPr>
+          <p:cNvPr id="28" name="TextBox 27">
+            <a:extLst>
+              <a:ext uri="{FF2B5EF4-FFF2-40B4-BE49-F238E27FC236}">
+                <a16:creationId xmlns:a16="http://schemas.microsoft.com/office/drawing/2014/main" id="{B073C2E0-4D25-1140-8BD5-64EAABBECE95}"/>
+              </a:ext>
+            </a:extLst>
+          </p:cNvPr>
+          <p:cNvSpPr txBox="1"/>
+          <p:nvPr/>
+        </p:nvSpPr>
+        <p:spPr>
+          <a:xfrm>
+            <a:off x="13471194" y="10473899"/>
+            <a:ext cx="3239000" cy="646331"/>
+          </a:xfrm>
+          <a:prstGeom prst="rect">
+            <a:avLst/>
+          </a:prstGeom>
+          <a:noFill/>
+        </p:spPr>
+        <p:txBody>
+          <a:bodyPr wrap="square" rtlCol="0">
+            <a:spAutoFit/>
+          </a:bodyPr>
+          <a:lstStyle/>
+          <a:p>
+            <a:pPr algn="ctr"/>
+            <a:r>
+              <a:rPr lang="ru-BY" sz="3600" i="1" dirty="0">
+                <a:latin typeface="ISOCPEUR" panose="020B0604020202020204" pitchFamily="34" charset="0"/>
+              </a:rPr>
+              <a:t>Рисунок 3</a:t>
+            </a:r>
+          </a:p>
+        </p:txBody>
+      </p:sp>
+      <p:sp>
+        <p:nvSpPr>
+          <p:cNvPr id="29" name="TextBox 28">
+            <a:extLst>
+              <a:ext uri="{FF2B5EF4-FFF2-40B4-BE49-F238E27FC236}">
+                <a16:creationId xmlns:a16="http://schemas.microsoft.com/office/drawing/2014/main" id="{DECC3454-3B48-5D40-8640-8C8426FF3E19}"/>
+              </a:ext>
+            </a:extLst>
+          </p:cNvPr>
+          <p:cNvSpPr txBox="1"/>
+          <p:nvPr/>
+        </p:nvSpPr>
+        <p:spPr>
+          <a:xfrm>
+            <a:off x="19390420" y="10473898"/>
+            <a:ext cx="3239000" cy="646331"/>
+          </a:xfrm>
+          <a:prstGeom prst="rect">
+            <a:avLst/>
+          </a:prstGeom>
+          <a:noFill/>
+        </p:spPr>
+        <p:txBody>
+          <a:bodyPr wrap="square" rtlCol="0">
+            <a:spAutoFit/>
+          </a:bodyPr>
+          <a:lstStyle/>
+          <a:p>
+            <a:pPr algn="ctr"/>
+            <a:r>
+              <a:rPr lang="ru-BY" sz="3600" i="1" dirty="0">
+                <a:latin typeface="ISOCPEUR" panose="020B0604020202020204" pitchFamily="34" charset="0"/>
+              </a:rPr>
+              <a:t>Рисунок 4</a:t>
+            </a:r>
+          </a:p>
+        </p:txBody>
+      </p:sp>
+      <p:sp>
+        <p:nvSpPr>
+          <p:cNvPr id="30" name="TextBox 29">
+            <a:extLst>
+              <a:ext uri="{FF2B5EF4-FFF2-40B4-BE49-F238E27FC236}">
+                <a16:creationId xmlns:a16="http://schemas.microsoft.com/office/drawing/2014/main" id="{B70EE500-2842-9E41-BDCC-C31815463E3E}"/>
+              </a:ext>
+            </a:extLst>
+          </p:cNvPr>
+          <p:cNvSpPr txBox="1"/>
+          <p:nvPr/>
+        </p:nvSpPr>
+        <p:spPr>
+          <a:xfrm>
+            <a:off x="25308245" y="10473897"/>
+            <a:ext cx="3239000" cy="646331"/>
+          </a:xfrm>
+          <a:prstGeom prst="rect">
+            <a:avLst/>
+          </a:prstGeom>
+          <a:noFill/>
+        </p:spPr>
+        <p:txBody>
+          <a:bodyPr wrap="square" rtlCol="0">
+            <a:spAutoFit/>
+          </a:bodyPr>
+          <a:lstStyle/>
+          <a:p>
+            <a:pPr algn="ctr"/>
+            <a:r>
+              <a:rPr lang="ru-BY" sz="3600" i="1" dirty="0">
+                <a:latin typeface="ISOCPEUR" panose="020B0604020202020204" pitchFamily="34" charset="0"/>
+              </a:rPr>
+              <a:t>Рисунок 5</a:t>
+            </a:r>
+          </a:p>
+        </p:txBody>
+      </p:sp>
+      <p:sp>
+        <p:nvSpPr>
+          <p:cNvPr id="31" name="TextBox 30">
+            <a:extLst>
+              <a:ext uri="{FF2B5EF4-FFF2-40B4-BE49-F238E27FC236}">
+                <a16:creationId xmlns:a16="http://schemas.microsoft.com/office/drawing/2014/main" id="{B7AD2D2C-C754-4F4F-86AD-66B42432260C}"/>
+              </a:ext>
+            </a:extLst>
+          </p:cNvPr>
+          <p:cNvSpPr txBox="1"/>
+          <p:nvPr/>
+        </p:nvSpPr>
+        <p:spPr>
+          <a:xfrm>
+            <a:off x="1633803" y="19900252"/>
+            <a:ext cx="3239000" cy="646331"/>
+          </a:xfrm>
+          <a:prstGeom prst="rect">
+            <a:avLst/>
+          </a:prstGeom>
+          <a:noFill/>
+        </p:spPr>
+        <p:txBody>
+          <a:bodyPr wrap="square" rtlCol="0">
+            <a:spAutoFit/>
+          </a:bodyPr>
+          <a:lstStyle/>
+          <a:p>
+            <a:pPr algn="ctr"/>
+            <a:r>
+              <a:rPr lang="ru-BY" sz="3600" i="1" dirty="0">
+                <a:latin typeface="ISOCPEUR" panose="020B0604020202020204" pitchFamily="34" charset="0"/>
+              </a:rPr>
+              <a:t>Рисунок 6</a:t>
+            </a:r>
+          </a:p>
+        </p:txBody>
+      </p:sp>
+      <p:sp>
+        <p:nvSpPr>
+          <p:cNvPr id="32" name="TextBox 31">
+            <a:extLst>
+              <a:ext uri="{FF2B5EF4-FFF2-40B4-BE49-F238E27FC236}">
+                <a16:creationId xmlns:a16="http://schemas.microsoft.com/office/drawing/2014/main" id="{FC701359-A989-BB47-AB2C-AD5196874157}"/>
+              </a:ext>
+            </a:extLst>
+          </p:cNvPr>
+          <p:cNvSpPr txBox="1"/>
+          <p:nvPr/>
+        </p:nvSpPr>
+        <p:spPr>
+          <a:xfrm>
+            <a:off x="7549329" y="19900252"/>
+            <a:ext cx="3239000" cy="646331"/>
+          </a:xfrm>
+          <a:prstGeom prst="rect">
+            <a:avLst/>
+          </a:prstGeom>
+          <a:noFill/>
+        </p:spPr>
+        <p:txBody>
+          <a:bodyPr wrap="square" rtlCol="0">
+            <a:spAutoFit/>
+          </a:bodyPr>
+          <a:lstStyle/>
+          <a:p>
+            <a:pPr algn="ctr"/>
+            <a:r>
+              <a:rPr lang="ru-BY" sz="3600" i="1" dirty="0">
+                <a:latin typeface="ISOCPEUR" panose="020B0604020202020204" pitchFamily="34" charset="0"/>
+              </a:rPr>
+              <a:t>Рисунок 7</a:t>
+            </a:r>
+          </a:p>
+        </p:txBody>
+      </p:sp>
+      <p:sp>
+        <p:nvSpPr>
+          <p:cNvPr id="33" name="TextBox 32">
+            <a:extLst>
+              <a:ext uri="{FF2B5EF4-FFF2-40B4-BE49-F238E27FC236}">
+                <a16:creationId xmlns:a16="http://schemas.microsoft.com/office/drawing/2014/main" id="{441E1548-E621-9543-A5BA-AC482AF08F04}"/>
+              </a:ext>
+            </a:extLst>
+          </p:cNvPr>
+          <p:cNvSpPr txBox="1"/>
+          <p:nvPr/>
+        </p:nvSpPr>
+        <p:spPr>
+          <a:xfrm>
+            <a:off x="13471194" y="19900251"/>
+            <a:ext cx="3239000" cy="646331"/>
+          </a:xfrm>
+          <a:prstGeom prst="rect">
+            <a:avLst/>
+          </a:prstGeom>
+          <a:noFill/>
+        </p:spPr>
+        <p:txBody>
+          <a:bodyPr wrap="square" rtlCol="0">
+            <a:spAutoFit/>
+          </a:bodyPr>
+          <a:lstStyle/>
+          <a:p>
+            <a:pPr algn="ctr"/>
+            <a:r>
+              <a:rPr lang="ru-BY" sz="3600" i="1" dirty="0">
+                <a:latin typeface="ISOCPEUR" panose="020B0604020202020204" pitchFamily="34" charset="0"/>
+              </a:rPr>
+              <a:t>Рисунок 8</a:t>
+            </a:r>
+          </a:p>
+        </p:txBody>
+      </p:sp>
+      <p:sp>
+        <p:nvSpPr>
+          <p:cNvPr id="34" name="TextBox 33">
+            <a:extLst>
+              <a:ext uri="{FF2B5EF4-FFF2-40B4-BE49-F238E27FC236}">
+                <a16:creationId xmlns:a16="http://schemas.microsoft.com/office/drawing/2014/main" id="{73DB7AFB-DEAE-E549-AC06-2E3C3520C2F2}"/>
+              </a:ext>
+            </a:extLst>
+          </p:cNvPr>
+          <p:cNvSpPr txBox="1"/>
+          <p:nvPr/>
+        </p:nvSpPr>
+        <p:spPr>
+          <a:xfrm>
+            <a:off x="19386720" y="19900251"/>
+            <a:ext cx="3239000" cy="646331"/>
+          </a:xfrm>
+          <a:prstGeom prst="rect">
+            <a:avLst/>
+          </a:prstGeom>
+          <a:noFill/>
+        </p:spPr>
+        <p:txBody>
+          <a:bodyPr wrap="square" rtlCol="0">
+            <a:spAutoFit/>
+          </a:bodyPr>
+          <a:lstStyle/>
+          <a:p>
+            <a:pPr algn="ctr"/>
+            <a:r>
+              <a:rPr lang="ru-BY" sz="3600" i="1" dirty="0">
+                <a:latin typeface="ISOCPEUR" panose="020B0604020202020204" pitchFamily="34" charset="0"/>
+              </a:rPr>
+              <a:t>Рисунок 9</a:t>
+            </a:r>
+          </a:p>
+        </p:txBody>
+      </p:sp>
+      <p:sp>
+        <p:nvSpPr>
+          <p:cNvPr id="35" name="TextBox 34">
+            <a:extLst>
+              <a:ext uri="{FF2B5EF4-FFF2-40B4-BE49-F238E27FC236}">
+                <a16:creationId xmlns:a16="http://schemas.microsoft.com/office/drawing/2014/main" id="{8E98AEB5-199A-1749-8767-B2DF50EB4F15}"/>
+              </a:ext>
+            </a:extLst>
+          </p:cNvPr>
+          <p:cNvSpPr txBox="1"/>
+          <p:nvPr/>
+        </p:nvSpPr>
+        <p:spPr>
+          <a:xfrm>
+            <a:off x="25302246" y="19900250"/>
+            <a:ext cx="3239000" cy="646331"/>
+          </a:xfrm>
+          <a:prstGeom prst="rect">
+            <a:avLst/>
+          </a:prstGeom>
+          <a:noFill/>
+        </p:spPr>
+        <p:txBody>
+          <a:bodyPr wrap="square" rtlCol="0">
+            <a:spAutoFit/>
+          </a:bodyPr>
+          <a:lstStyle/>
+          <a:p>
+            <a:pPr algn="ctr"/>
+            <a:r>
+              <a:rPr lang="ru-BY" sz="3600" i="1" dirty="0">
+                <a:latin typeface="ISOCPEUR" panose="020B0604020202020204" pitchFamily="34" charset="0"/>
+              </a:rPr>
+              <a:t>Рисунок 10</a:t>
             </a:r>
           </a:p>
         </p:txBody>

--- a/2 Графический материал/А1-Пользовательский-интерфейс.pptx
+++ b/2 Графический материал/А1-Пользовательский-интерфейс.pptx
@@ -254,7 +254,7 @@
           <a:p>
             <a:fld id="{E8A4B1B9-4F36-7644-AF30-79E82A5C06E8}" type="datetimeFigureOut">
               <a:rPr lang="ru-BY" smtClean="0"/>
-              <a:t>26.05.2020</a:t>
+              <a:t>28.05.2020</a:t>
             </a:fld>
             <a:endParaRPr lang="ru-BY"/>
           </a:p>
@@ -424,7 +424,7 @@
           <a:p>
             <a:fld id="{E8A4B1B9-4F36-7644-AF30-79E82A5C06E8}" type="datetimeFigureOut">
               <a:rPr lang="ru-BY" smtClean="0"/>
-              <a:t>26.05.2020</a:t>
+              <a:t>28.05.2020</a:t>
             </a:fld>
             <a:endParaRPr lang="ru-BY"/>
           </a:p>
@@ -604,7 +604,7 @@
           <a:p>
             <a:fld id="{E8A4B1B9-4F36-7644-AF30-79E82A5C06E8}" type="datetimeFigureOut">
               <a:rPr lang="ru-BY" smtClean="0"/>
-              <a:t>26.05.2020</a:t>
+              <a:t>28.05.2020</a:t>
             </a:fld>
             <a:endParaRPr lang="ru-BY"/>
           </a:p>
@@ -774,7 +774,7 @@
           <a:p>
             <a:fld id="{E8A4B1B9-4F36-7644-AF30-79E82A5C06E8}" type="datetimeFigureOut">
               <a:rPr lang="ru-BY" smtClean="0"/>
-              <a:t>26.05.2020</a:t>
+              <a:t>28.05.2020</a:t>
             </a:fld>
             <a:endParaRPr lang="ru-BY"/>
           </a:p>
@@ -1018,7 +1018,7 @@
           <a:p>
             <a:fld id="{E8A4B1B9-4F36-7644-AF30-79E82A5C06E8}" type="datetimeFigureOut">
               <a:rPr lang="ru-BY" smtClean="0"/>
-              <a:t>26.05.2020</a:t>
+              <a:t>28.05.2020</a:t>
             </a:fld>
             <a:endParaRPr lang="ru-BY"/>
           </a:p>
@@ -1250,7 +1250,7 @@
           <a:p>
             <a:fld id="{E8A4B1B9-4F36-7644-AF30-79E82A5C06E8}" type="datetimeFigureOut">
               <a:rPr lang="ru-BY" smtClean="0"/>
-              <a:t>26.05.2020</a:t>
+              <a:t>28.05.2020</a:t>
             </a:fld>
             <a:endParaRPr lang="ru-BY"/>
           </a:p>
@@ -1617,7 +1617,7 @@
           <a:p>
             <a:fld id="{E8A4B1B9-4F36-7644-AF30-79E82A5C06E8}" type="datetimeFigureOut">
               <a:rPr lang="ru-BY" smtClean="0"/>
-              <a:t>26.05.2020</a:t>
+              <a:t>28.05.2020</a:t>
             </a:fld>
             <a:endParaRPr lang="ru-BY"/>
           </a:p>
@@ -1735,7 +1735,7 @@
           <a:p>
             <a:fld id="{E8A4B1B9-4F36-7644-AF30-79E82A5C06E8}" type="datetimeFigureOut">
               <a:rPr lang="ru-BY" smtClean="0"/>
-              <a:t>26.05.2020</a:t>
+              <a:t>28.05.2020</a:t>
             </a:fld>
             <a:endParaRPr lang="ru-BY"/>
           </a:p>
@@ -1830,7 +1830,7 @@
           <a:p>
             <a:fld id="{E8A4B1B9-4F36-7644-AF30-79E82A5C06E8}" type="datetimeFigureOut">
               <a:rPr lang="ru-BY" smtClean="0"/>
-              <a:t>26.05.2020</a:t>
+              <a:t>28.05.2020</a:t>
             </a:fld>
             <a:endParaRPr lang="ru-BY"/>
           </a:p>
@@ -2107,7 +2107,7 @@
           <a:p>
             <a:fld id="{E8A4B1B9-4F36-7644-AF30-79E82A5C06E8}" type="datetimeFigureOut">
               <a:rPr lang="ru-BY" smtClean="0"/>
-              <a:t>26.05.2020</a:t>
+              <a:t>28.05.2020</a:t>
             </a:fld>
             <a:endParaRPr lang="ru-BY"/>
           </a:p>
@@ -2364,7 +2364,7 @@
           <a:p>
             <a:fld id="{E8A4B1B9-4F36-7644-AF30-79E82A5C06E8}" type="datetimeFigureOut">
               <a:rPr lang="ru-BY" smtClean="0"/>
-              <a:t>26.05.2020</a:t>
+              <a:t>28.05.2020</a:t>
             </a:fld>
             <a:endParaRPr lang="ru-BY"/>
           </a:p>
@@ -2577,7 +2577,7 @@
           <a:p>
             <a:fld id="{E8A4B1B9-4F36-7644-AF30-79E82A5C06E8}" type="datetimeFigureOut">
               <a:rPr lang="ru-BY" smtClean="0"/>
-              <a:t>26.05.2020</a:t>
+              <a:t>28.05.2020</a:t>
             </a:fld>
             <a:endParaRPr lang="ru-BY"/>
           </a:p>
@@ -3010,7 +3010,7 @@
         </p:blipFill>
         <p:spPr>
           <a:xfrm>
-            <a:off x="19389420" y="3273899"/>
+            <a:off x="19389420" y="2186504"/>
             <a:ext cx="3240000" cy="7200000"/>
           </a:xfrm>
           <a:prstGeom prst="rect">
@@ -3046,7 +3046,7 @@
         </p:blipFill>
         <p:spPr>
           <a:xfrm>
-            <a:off x="25308245" y="3270585"/>
+            <a:off x="25308245" y="2183190"/>
             <a:ext cx="3240000" cy="7200000"/>
           </a:xfrm>
           <a:prstGeom prst="rect">
@@ -3082,7 +3082,7 @@
         </p:blipFill>
         <p:spPr>
           <a:xfrm>
-            <a:off x="7554068" y="12700253"/>
+            <a:off x="7554068" y="11266855"/>
             <a:ext cx="3240000" cy="7200000"/>
           </a:xfrm>
           <a:prstGeom prst="rect">
@@ -3118,7 +3118,7 @@
         </p:blipFill>
         <p:spPr>
           <a:xfrm>
-            <a:off x="1635626" y="12700252"/>
+            <a:off x="1635626" y="11266854"/>
             <a:ext cx="3239600" cy="7200000"/>
           </a:xfrm>
           <a:prstGeom prst="rect">
@@ -3154,7 +3154,7 @@
         </p:blipFill>
         <p:spPr>
           <a:xfrm>
-            <a:off x="19391459" y="12700252"/>
+            <a:off x="19391459" y="11266854"/>
             <a:ext cx="3239600" cy="7200000"/>
           </a:xfrm>
           <a:prstGeom prst="rect">
@@ -3190,7 +3190,7 @@
         </p:blipFill>
         <p:spPr>
           <a:xfrm>
-            <a:off x="13470594" y="12700252"/>
+            <a:off x="13470594" y="11266854"/>
             <a:ext cx="3239600" cy="7200000"/>
           </a:xfrm>
           <a:prstGeom prst="rect">
@@ -3226,7 +3226,7 @@
         </p:blipFill>
         <p:spPr>
           <a:xfrm>
-            <a:off x="7554067" y="3267270"/>
+            <a:off x="7554067" y="2179875"/>
             <a:ext cx="3240000" cy="7200000"/>
           </a:xfrm>
           <a:prstGeom prst="rect">
@@ -3262,7 +3262,7 @@
         </p:blipFill>
         <p:spPr>
           <a:xfrm>
-            <a:off x="25312161" y="12700252"/>
+            <a:off x="25312161" y="11266854"/>
             <a:ext cx="3239600" cy="7200000"/>
           </a:xfrm>
           <a:prstGeom prst="rect">
@@ -3298,7 +3298,7 @@
         </p:blipFill>
         <p:spPr>
           <a:xfrm>
-            <a:off x="1636390" y="3273899"/>
+            <a:off x="1636390" y="2186504"/>
             <a:ext cx="3239000" cy="7200000"/>
           </a:xfrm>
           <a:prstGeom prst="rect">
@@ -3334,7 +3334,7 @@
         </p:blipFill>
         <p:spPr>
           <a:xfrm>
-            <a:off x="13470594" y="3267270"/>
+            <a:off x="13470594" y="2179875"/>
             <a:ext cx="3240200" cy="7200000"/>
           </a:xfrm>
           <a:prstGeom prst="rect">
@@ -3356,7 +3356,7 @@
         </p:nvSpPr>
         <p:spPr>
           <a:xfrm>
-            <a:off x="508537" y="2073570"/>
+            <a:off x="560352" y="9386504"/>
             <a:ext cx="5390148" cy="1200329"/>
           </a:xfrm>
           <a:prstGeom prst="rect">
@@ -3375,18 +3375,19 @@
               <a:rPr lang="ru-BY" sz="3600" i="1" dirty="0">
                 <a:latin typeface="ISOCPEUR" panose="020B0604020202020204" pitchFamily="34" charset="0"/>
               </a:rPr>
-              <a:t>Экран знакомства</a:t>
-            </a:r>
-            <a:br>
+              <a:t>Рисунок 1</a:t>
+            </a:r>
+            <a:r>
+              <a:rPr lang="en-US" sz="3600" i="1" dirty="0">
+                <a:latin typeface="ISOCPEUR" panose="020B0604020202020204" pitchFamily="34" charset="0"/>
+              </a:rPr>
+              <a:t> – </a:t>
+            </a:r>
+            <a:r>
               <a:rPr lang="ru-BY" sz="3600" i="1" dirty="0">
                 <a:latin typeface="ISOCPEUR" panose="020B0604020202020204" pitchFamily="34" charset="0"/>
               </a:rPr>
-            </a:br>
-            <a:r>
-              <a:rPr lang="ru-BY" sz="3600" i="1" dirty="0">
-                <a:latin typeface="ISOCPEUR" panose="020B0604020202020204" pitchFamily="34" charset="0"/>
-              </a:rPr>
-              <a:t>с приложением</a:t>
+              <a:t>Экран знакомства с приложением</a:t>
             </a:r>
           </a:p>
         </p:txBody>
@@ -3405,8 +3406,8 @@
         </p:nvSpPr>
         <p:spPr>
           <a:xfrm>
-            <a:off x="12393080" y="11499923"/>
-            <a:ext cx="5390148" cy="1200329"/>
+            <a:off x="12401735" y="18460946"/>
+            <a:ext cx="5390148" cy="1754326"/>
           </a:xfrm>
           <a:prstGeom prst="rect">
             <a:avLst/>
@@ -3420,6 +3421,18 @@
           <a:lstStyle/>
           <a:p>
             <a:pPr algn="ctr"/>
+            <a:r>
+              <a:rPr lang="ru-BY" sz="3600" i="1" dirty="0">
+                <a:latin typeface="ISOCPEUR" panose="020B0604020202020204" pitchFamily="34" charset="0"/>
+              </a:rPr>
+              <a:t>Рисунок </a:t>
+            </a:r>
+            <a:r>
+              <a:rPr lang="en-US" sz="3600" i="1" dirty="0">
+                <a:latin typeface="ISOCPEUR" panose="020B0604020202020204" pitchFamily="34" charset="0"/>
+              </a:rPr>
+              <a:t>8 – </a:t>
+            </a:r>
             <a:r>
               <a:rPr lang="ru-BY" sz="3600" i="1" dirty="0">
                 <a:latin typeface="ISOCPEUR" panose="020B0604020202020204" pitchFamily="34" charset="0"/>
@@ -3443,7 +3456,7 @@
         </p:nvSpPr>
         <p:spPr>
           <a:xfrm>
-            <a:off x="6473755" y="2073570"/>
+            <a:off x="6478993" y="9386504"/>
             <a:ext cx="5390148" cy="1200329"/>
           </a:xfrm>
           <a:prstGeom prst="rect">
@@ -3458,6 +3471,18 @@
           <a:lstStyle/>
           <a:p>
             <a:pPr algn="ctr"/>
+            <a:r>
+              <a:rPr lang="ru-BY" sz="3600" i="1" dirty="0">
+                <a:latin typeface="ISOCPEUR" panose="020B0604020202020204" pitchFamily="34" charset="0"/>
+              </a:rPr>
+              <a:t>Рисунок </a:t>
+            </a:r>
+            <a:r>
+              <a:rPr lang="en-US" sz="3600" i="1" dirty="0">
+                <a:latin typeface="ISOCPEUR" panose="020B0604020202020204" pitchFamily="34" charset="0"/>
+              </a:rPr>
+              <a:t>2 – </a:t>
+            </a:r>
             <a:r>
               <a:rPr lang="ru-BY" sz="3600" i="1" dirty="0">
                 <a:latin typeface="ISOCPEUR" panose="020B0604020202020204" pitchFamily="34" charset="0"/>
@@ -3481,7 +3506,7 @@
         </p:nvSpPr>
         <p:spPr>
           <a:xfrm>
-            <a:off x="12393080" y="2063626"/>
+            <a:off x="12395320" y="9386504"/>
             <a:ext cx="5390148" cy="1200329"/>
           </a:xfrm>
           <a:prstGeom prst="rect">
@@ -3497,27 +3522,22 @@
           <a:p>
             <a:pPr algn="ctr"/>
             <a:r>
-              <a:rPr lang="ru-BY" sz="3600" i="1">
-                <a:latin typeface="ISOCPEUR" panose="020B0604020202020204" pitchFamily="34" charset="0"/>
-              </a:rPr>
-              <a:t>Экран создания</a:t>
-            </a:r>
-            <a:br>
-              <a:rPr lang="ru-BY" sz="3600" i="1">
-                <a:latin typeface="ISOCPEUR" panose="020B0604020202020204" pitchFamily="34" charset="0"/>
-              </a:rPr>
-            </a:br>
-            <a:r>
-              <a:rPr lang="ru-BY" sz="3600" i="1">
-                <a:latin typeface="ISOCPEUR" panose="020B0604020202020204" pitchFamily="34" charset="0"/>
-              </a:rPr>
-              <a:t>учетной </a:t>
-            </a:r>
-            <a:r>
               <a:rPr lang="ru-BY" sz="3600" i="1" dirty="0">
                 <a:latin typeface="ISOCPEUR" panose="020B0604020202020204" pitchFamily="34" charset="0"/>
               </a:rPr>
-              <a:t>записи</a:t>
+              <a:t>Рисунок </a:t>
+            </a:r>
+            <a:r>
+              <a:rPr lang="en-US" sz="3600" i="1" dirty="0">
+                <a:latin typeface="ISOCPEUR" panose="020B0604020202020204" pitchFamily="34" charset="0"/>
+              </a:rPr>
+              <a:t>3 – </a:t>
+            </a:r>
+            <a:r>
+              <a:rPr lang="ru-BY" sz="3600" i="1" dirty="0">
+                <a:latin typeface="ISOCPEUR" panose="020B0604020202020204" pitchFamily="34" charset="0"/>
+              </a:rPr>
+              <a:t>Экран создания учетной записи</a:t>
             </a:r>
           </a:p>
         </p:txBody>
@@ -3536,8 +3556,8 @@
         </p:nvSpPr>
         <p:spPr>
           <a:xfrm>
-            <a:off x="18307347" y="2340624"/>
-            <a:ext cx="5390148" cy="646331"/>
+            <a:off x="18314346" y="9379875"/>
+            <a:ext cx="5390148" cy="1200329"/>
           </a:xfrm>
           <a:prstGeom prst="rect">
             <a:avLst/>
@@ -3551,6 +3571,18 @@
           <a:lstStyle/>
           <a:p>
             <a:pPr algn="ctr"/>
+            <a:r>
+              <a:rPr lang="ru-BY" sz="3600" i="1" dirty="0">
+                <a:latin typeface="ISOCPEUR" panose="020B0604020202020204" pitchFamily="34" charset="0"/>
+              </a:rPr>
+              <a:t>Рисунок </a:t>
+            </a:r>
+            <a:r>
+              <a:rPr lang="en-US" sz="3600" i="1" dirty="0">
+                <a:latin typeface="ISOCPEUR" panose="020B0604020202020204" pitchFamily="34" charset="0"/>
+              </a:rPr>
+              <a:t>4 – </a:t>
+            </a:r>
             <a:r>
               <a:rPr lang="ru-BY" sz="3600" i="1" dirty="0">
                 <a:latin typeface="ISOCPEUR" panose="020B0604020202020204" pitchFamily="34" charset="0"/>
@@ -3574,7 +3606,7 @@
         </p:nvSpPr>
         <p:spPr>
           <a:xfrm>
-            <a:off x="24226672" y="2347255"/>
+            <a:off x="24233171" y="9386504"/>
             <a:ext cx="5390148" cy="646331"/>
           </a:xfrm>
           <a:prstGeom prst="rect">
@@ -3589,6 +3621,18 @@
           <a:lstStyle/>
           <a:p>
             <a:pPr algn="ctr"/>
+            <a:r>
+              <a:rPr lang="ru-BY" sz="3600" i="1" dirty="0">
+                <a:latin typeface="ISOCPEUR" panose="020B0604020202020204" pitchFamily="34" charset="0"/>
+              </a:rPr>
+              <a:t>Рисунок </a:t>
+            </a:r>
+            <a:r>
+              <a:rPr lang="en-US" sz="3600" i="1" dirty="0">
+                <a:latin typeface="ISOCPEUR" panose="020B0604020202020204" pitchFamily="34" charset="0"/>
+              </a:rPr>
+              <a:t>5 – </a:t>
+            </a:r>
             <a:r>
               <a:rPr lang="ru-BY" sz="3600" i="1" dirty="0">
                 <a:latin typeface="ISOCPEUR" panose="020B0604020202020204" pitchFamily="34" charset="0"/>
@@ -3612,8 +3656,8 @@
         </p:nvSpPr>
         <p:spPr>
           <a:xfrm>
-            <a:off x="6477195" y="11499923"/>
-            <a:ext cx="5390148" cy="1200329"/>
+            <a:off x="6482910" y="18467426"/>
+            <a:ext cx="5390148" cy="1754326"/>
           </a:xfrm>
           <a:prstGeom prst="rect">
             <a:avLst/>
@@ -3631,18 +3675,19 @@
               <a:rPr lang="ru-BY" sz="3600" i="1" dirty="0">
                 <a:latin typeface="ISOCPEUR" panose="020B0604020202020204" pitchFamily="34" charset="0"/>
               </a:rPr>
-              <a:t>Экран статистики</a:t>
-            </a:r>
-            <a:br>
+              <a:t>Рисунок </a:t>
+            </a:r>
+            <a:r>
+              <a:rPr lang="en-US" sz="3600" i="1" dirty="0">
+                <a:latin typeface="ISOCPEUR" panose="020B0604020202020204" pitchFamily="34" charset="0"/>
+              </a:rPr>
+              <a:t>7 – </a:t>
+            </a:r>
+            <a:r>
               <a:rPr lang="ru-BY" sz="3600" i="1" dirty="0">
                 <a:latin typeface="ISOCPEUR" panose="020B0604020202020204" pitchFamily="34" charset="0"/>
               </a:rPr>
-            </a:br>
-            <a:r>
-              <a:rPr lang="ru-BY" sz="3600" i="1" dirty="0">
-                <a:latin typeface="ISOCPEUR" panose="020B0604020202020204" pitchFamily="34" charset="0"/>
-              </a:rPr>
-              <a:t>по дням недели</a:t>
+              <a:t>Экран статистики по дням недели</a:t>
             </a:r>
           </a:p>
         </p:txBody>
@@ -3661,7 +3706,7 @@
         </p:nvSpPr>
         <p:spPr>
           <a:xfrm>
-            <a:off x="561310" y="11499923"/>
+            <a:off x="570299" y="18460945"/>
             <a:ext cx="5390148" cy="1200329"/>
           </a:xfrm>
           <a:prstGeom prst="rect">
@@ -3676,6 +3721,18 @@
           <a:lstStyle/>
           <a:p>
             <a:pPr algn="ctr"/>
+            <a:r>
+              <a:rPr lang="ru-BY" sz="3600" i="1" dirty="0">
+                <a:latin typeface="ISOCPEUR" panose="020B0604020202020204" pitchFamily="34" charset="0"/>
+              </a:rPr>
+              <a:t>Рисунок </a:t>
+            </a:r>
+            <a:r>
+              <a:rPr lang="en-US" sz="3600" i="1" dirty="0">
+                <a:latin typeface="ISOCPEUR" panose="020B0604020202020204" pitchFamily="34" charset="0"/>
+              </a:rPr>
+              <a:t>6 – </a:t>
+            </a:r>
             <a:r>
               <a:rPr lang="ru-BY" sz="3600" i="1" dirty="0">
                 <a:latin typeface="ISOCPEUR" panose="020B0604020202020204" pitchFamily="34" charset="0"/>
@@ -3699,8 +3756,8 @@
         </p:nvSpPr>
         <p:spPr>
           <a:xfrm>
-            <a:off x="18311146" y="11776921"/>
-            <a:ext cx="5390148" cy="646331"/>
+            <a:off x="18314346" y="18466854"/>
+            <a:ext cx="5390148" cy="1200329"/>
           </a:xfrm>
           <a:prstGeom prst="rect">
             <a:avLst/>
@@ -3714,6 +3771,18 @@
           <a:lstStyle/>
           <a:p>
             <a:pPr algn="ctr"/>
+            <a:r>
+              <a:rPr lang="ru-BY" sz="3600" i="1" dirty="0">
+                <a:latin typeface="ISOCPEUR" panose="020B0604020202020204" pitchFamily="34" charset="0"/>
+              </a:rPr>
+              <a:t>Рисунок </a:t>
+            </a:r>
+            <a:r>
+              <a:rPr lang="en-US" sz="3600" i="1" dirty="0">
+                <a:latin typeface="ISOCPEUR" panose="020B0604020202020204" pitchFamily="34" charset="0"/>
+              </a:rPr>
+              <a:t>9 – </a:t>
+            </a:r>
             <a:r>
               <a:rPr lang="ru-BY" sz="3600" i="1" dirty="0">
                 <a:latin typeface="ISOCPEUR" panose="020B0604020202020204" pitchFamily="34" charset="0"/>
@@ -3737,7 +3806,7 @@
         </p:nvSpPr>
         <p:spPr>
           <a:xfrm>
-            <a:off x="24226672" y="11499923"/>
+            <a:off x="24233171" y="18460946"/>
             <a:ext cx="5390148" cy="1200329"/>
           </a:xfrm>
           <a:prstGeom prst="rect">
@@ -3752,6 +3821,18 @@
           <a:lstStyle/>
           <a:p>
             <a:pPr algn="ctr"/>
+            <a:r>
+              <a:rPr lang="ru-BY" sz="3600" i="1" dirty="0">
+                <a:latin typeface="ISOCPEUR" panose="020B0604020202020204" pitchFamily="34" charset="0"/>
+              </a:rPr>
+              <a:t>Рисунок 1</a:t>
+            </a:r>
+            <a:r>
+              <a:rPr lang="en-US" sz="3600" i="1" dirty="0">
+                <a:latin typeface="ISOCPEUR" panose="020B0604020202020204" pitchFamily="34" charset="0"/>
+              </a:rPr>
+              <a:t>0 – </a:t>
+            </a:r>
             <a:r>
               <a:rPr lang="ru-BY" sz="3600" i="1" dirty="0">
                 <a:latin typeface="ISOCPEUR" panose="020B0604020202020204" pitchFamily="34" charset="0"/>
@@ -3775,7 +3856,7 @@
         </p:nvSpPr>
         <p:spPr>
           <a:xfrm>
-            <a:off x="6598571" y="566778"/>
+            <a:off x="6598571" y="640920"/>
             <a:ext cx="17197337" cy="1015663"/>
           </a:xfrm>
           <a:prstGeom prst="rect">
@@ -3794,386 +3875,6 @@
                 <a:latin typeface="ISOCPEUR" panose="020B0604020202020204" pitchFamily="34" charset="0"/>
               </a:rPr>
               <a:t>Пользовательский интерфейс программного средства</a:t>
-            </a:r>
-          </a:p>
-        </p:txBody>
-      </p:sp>
-      <p:sp>
-        <p:nvSpPr>
-          <p:cNvPr id="26" name="TextBox 25">
-            <a:extLst>
-              <a:ext uri="{FF2B5EF4-FFF2-40B4-BE49-F238E27FC236}">
-                <a16:creationId xmlns:a16="http://schemas.microsoft.com/office/drawing/2014/main" id="{17904A61-6FB6-1149-B55C-8679FEAF6346}"/>
-              </a:ext>
-            </a:extLst>
-          </p:cNvPr>
-          <p:cNvSpPr txBox="1"/>
-          <p:nvPr/>
-        </p:nvSpPr>
-        <p:spPr>
-          <a:xfrm>
-            <a:off x="1584111" y="10473899"/>
-            <a:ext cx="3239000" cy="646331"/>
-          </a:xfrm>
-          <a:prstGeom prst="rect">
-            <a:avLst/>
-          </a:prstGeom>
-          <a:noFill/>
-        </p:spPr>
-        <p:txBody>
-          <a:bodyPr wrap="square" rtlCol="0">
-            <a:spAutoFit/>
-          </a:bodyPr>
-          <a:lstStyle/>
-          <a:p>
-            <a:pPr algn="ctr"/>
-            <a:r>
-              <a:rPr lang="ru-BY" sz="3600" i="1" dirty="0">
-                <a:latin typeface="ISOCPEUR" panose="020B0604020202020204" pitchFamily="34" charset="0"/>
-              </a:rPr>
-              <a:t>Рисунок 1</a:t>
-            </a:r>
-          </a:p>
-        </p:txBody>
-      </p:sp>
-      <p:sp>
-        <p:nvSpPr>
-          <p:cNvPr id="27" name="TextBox 26">
-            <a:extLst>
-              <a:ext uri="{FF2B5EF4-FFF2-40B4-BE49-F238E27FC236}">
-                <a16:creationId xmlns:a16="http://schemas.microsoft.com/office/drawing/2014/main" id="{6FCF930F-D336-A342-9152-99509B9C1581}"/>
-              </a:ext>
-            </a:extLst>
-          </p:cNvPr>
-          <p:cNvSpPr txBox="1"/>
-          <p:nvPr/>
-        </p:nvSpPr>
-        <p:spPr>
-          <a:xfrm>
-            <a:off x="7552769" y="10473899"/>
-            <a:ext cx="3239000" cy="646331"/>
-          </a:xfrm>
-          <a:prstGeom prst="rect">
-            <a:avLst/>
-          </a:prstGeom>
-          <a:noFill/>
-        </p:spPr>
-        <p:txBody>
-          <a:bodyPr wrap="square" rtlCol="0">
-            <a:spAutoFit/>
-          </a:bodyPr>
-          <a:lstStyle/>
-          <a:p>
-            <a:pPr algn="ctr"/>
-            <a:r>
-              <a:rPr lang="ru-BY" sz="3600" i="1" dirty="0">
-                <a:latin typeface="ISOCPEUR" panose="020B0604020202020204" pitchFamily="34" charset="0"/>
-              </a:rPr>
-              <a:t>Рисунок 2</a:t>
-            </a:r>
-          </a:p>
-        </p:txBody>
-      </p:sp>
-      <p:sp>
-        <p:nvSpPr>
-          <p:cNvPr id="28" name="TextBox 27">
-            <a:extLst>
-              <a:ext uri="{FF2B5EF4-FFF2-40B4-BE49-F238E27FC236}">
-                <a16:creationId xmlns:a16="http://schemas.microsoft.com/office/drawing/2014/main" id="{B073C2E0-4D25-1140-8BD5-64EAABBECE95}"/>
-              </a:ext>
-            </a:extLst>
-          </p:cNvPr>
-          <p:cNvSpPr txBox="1"/>
-          <p:nvPr/>
-        </p:nvSpPr>
-        <p:spPr>
-          <a:xfrm>
-            <a:off x="13471194" y="10473899"/>
-            <a:ext cx="3239000" cy="646331"/>
-          </a:xfrm>
-          <a:prstGeom prst="rect">
-            <a:avLst/>
-          </a:prstGeom>
-          <a:noFill/>
-        </p:spPr>
-        <p:txBody>
-          <a:bodyPr wrap="square" rtlCol="0">
-            <a:spAutoFit/>
-          </a:bodyPr>
-          <a:lstStyle/>
-          <a:p>
-            <a:pPr algn="ctr"/>
-            <a:r>
-              <a:rPr lang="ru-BY" sz="3600" i="1" dirty="0">
-                <a:latin typeface="ISOCPEUR" panose="020B0604020202020204" pitchFamily="34" charset="0"/>
-              </a:rPr>
-              <a:t>Рисунок 3</a:t>
-            </a:r>
-          </a:p>
-        </p:txBody>
-      </p:sp>
-      <p:sp>
-        <p:nvSpPr>
-          <p:cNvPr id="29" name="TextBox 28">
-            <a:extLst>
-              <a:ext uri="{FF2B5EF4-FFF2-40B4-BE49-F238E27FC236}">
-                <a16:creationId xmlns:a16="http://schemas.microsoft.com/office/drawing/2014/main" id="{DECC3454-3B48-5D40-8640-8C8426FF3E19}"/>
-              </a:ext>
-            </a:extLst>
-          </p:cNvPr>
-          <p:cNvSpPr txBox="1"/>
-          <p:nvPr/>
-        </p:nvSpPr>
-        <p:spPr>
-          <a:xfrm>
-            <a:off x="19390420" y="10473898"/>
-            <a:ext cx="3239000" cy="646331"/>
-          </a:xfrm>
-          <a:prstGeom prst="rect">
-            <a:avLst/>
-          </a:prstGeom>
-          <a:noFill/>
-        </p:spPr>
-        <p:txBody>
-          <a:bodyPr wrap="square" rtlCol="0">
-            <a:spAutoFit/>
-          </a:bodyPr>
-          <a:lstStyle/>
-          <a:p>
-            <a:pPr algn="ctr"/>
-            <a:r>
-              <a:rPr lang="ru-BY" sz="3600" i="1" dirty="0">
-                <a:latin typeface="ISOCPEUR" panose="020B0604020202020204" pitchFamily="34" charset="0"/>
-              </a:rPr>
-              <a:t>Рисунок 4</a:t>
-            </a:r>
-          </a:p>
-        </p:txBody>
-      </p:sp>
-      <p:sp>
-        <p:nvSpPr>
-          <p:cNvPr id="30" name="TextBox 29">
-            <a:extLst>
-              <a:ext uri="{FF2B5EF4-FFF2-40B4-BE49-F238E27FC236}">
-                <a16:creationId xmlns:a16="http://schemas.microsoft.com/office/drawing/2014/main" id="{B70EE500-2842-9E41-BDCC-C31815463E3E}"/>
-              </a:ext>
-            </a:extLst>
-          </p:cNvPr>
-          <p:cNvSpPr txBox="1"/>
-          <p:nvPr/>
-        </p:nvSpPr>
-        <p:spPr>
-          <a:xfrm>
-            <a:off x="25308245" y="10473897"/>
-            <a:ext cx="3239000" cy="646331"/>
-          </a:xfrm>
-          <a:prstGeom prst="rect">
-            <a:avLst/>
-          </a:prstGeom>
-          <a:noFill/>
-        </p:spPr>
-        <p:txBody>
-          <a:bodyPr wrap="square" rtlCol="0">
-            <a:spAutoFit/>
-          </a:bodyPr>
-          <a:lstStyle/>
-          <a:p>
-            <a:pPr algn="ctr"/>
-            <a:r>
-              <a:rPr lang="ru-BY" sz="3600" i="1" dirty="0">
-                <a:latin typeface="ISOCPEUR" panose="020B0604020202020204" pitchFamily="34" charset="0"/>
-              </a:rPr>
-              <a:t>Рисунок 5</a:t>
-            </a:r>
-          </a:p>
-        </p:txBody>
-      </p:sp>
-      <p:sp>
-        <p:nvSpPr>
-          <p:cNvPr id="31" name="TextBox 30">
-            <a:extLst>
-              <a:ext uri="{FF2B5EF4-FFF2-40B4-BE49-F238E27FC236}">
-                <a16:creationId xmlns:a16="http://schemas.microsoft.com/office/drawing/2014/main" id="{B7AD2D2C-C754-4F4F-86AD-66B42432260C}"/>
-              </a:ext>
-            </a:extLst>
-          </p:cNvPr>
-          <p:cNvSpPr txBox="1"/>
-          <p:nvPr/>
-        </p:nvSpPr>
-        <p:spPr>
-          <a:xfrm>
-            <a:off x="1633803" y="19900252"/>
-            <a:ext cx="3239000" cy="646331"/>
-          </a:xfrm>
-          <a:prstGeom prst="rect">
-            <a:avLst/>
-          </a:prstGeom>
-          <a:noFill/>
-        </p:spPr>
-        <p:txBody>
-          <a:bodyPr wrap="square" rtlCol="0">
-            <a:spAutoFit/>
-          </a:bodyPr>
-          <a:lstStyle/>
-          <a:p>
-            <a:pPr algn="ctr"/>
-            <a:r>
-              <a:rPr lang="ru-BY" sz="3600" i="1" dirty="0">
-                <a:latin typeface="ISOCPEUR" panose="020B0604020202020204" pitchFamily="34" charset="0"/>
-              </a:rPr>
-              <a:t>Рисунок 6</a:t>
-            </a:r>
-          </a:p>
-        </p:txBody>
-      </p:sp>
-      <p:sp>
-        <p:nvSpPr>
-          <p:cNvPr id="32" name="TextBox 31">
-            <a:extLst>
-              <a:ext uri="{FF2B5EF4-FFF2-40B4-BE49-F238E27FC236}">
-                <a16:creationId xmlns:a16="http://schemas.microsoft.com/office/drawing/2014/main" id="{FC701359-A989-BB47-AB2C-AD5196874157}"/>
-              </a:ext>
-            </a:extLst>
-          </p:cNvPr>
-          <p:cNvSpPr txBox="1"/>
-          <p:nvPr/>
-        </p:nvSpPr>
-        <p:spPr>
-          <a:xfrm>
-            <a:off x="7549329" y="19900252"/>
-            <a:ext cx="3239000" cy="646331"/>
-          </a:xfrm>
-          <a:prstGeom prst="rect">
-            <a:avLst/>
-          </a:prstGeom>
-          <a:noFill/>
-        </p:spPr>
-        <p:txBody>
-          <a:bodyPr wrap="square" rtlCol="0">
-            <a:spAutoFit/>
-          </a:bodyPr>
-          <a:lstStyle/>
-          <a:p>
-            <a:pPr algn="ctr"/>
-            <a:r>
-              <a:rPr lang="ru-BY" sz="3600" i="1" dirty="0">
-                <a:latin typeface="ISOCPEUR" panose="020B0604020202020204" pitchFamily="34" charset="0"/>
-              </a:rPr>
-              <a:t>Рисунок 7</a:t>
-            </a:r>
-          </a:p>
-        </p:txBody>
-      </p:sp>
-      <p:sp>
-        <p:nvSpPr>
-          <p:cNvPr id="33" name="TextBox 32">
-            <a:extLst>
-              <a:ext uri="{FF2B5EF4-FFF2-40B4-BE49-F238E27FC236}">
-                <a16:creationId xmlns:a16="http://schemas.microsoft.com/office/drawing/2014/main" id="{441E1548-E621-9543-A5BA-AC482AF08F04}"/>
-              </a:ext>
-            </a:extLst>
-          </p:cNvPr>
-          <p:cNvSpPr txBox="1"/>
-          <p:nvPr/>
-        </p:nvSpPr>
-        <p:spPr>
-          <a:xfrm>
-            <a:off x="13471194" y="19900251"/>
-            <a:ext cx="3239000" cy="646331"/>
-          </a:xfrm>
-          <a:prstGeom prst="rect">
-            <a:avLst/>
-          </a:prstGeom>
-          <a:noFill/>
-        </p:spPr>
-        <p:txBody>
-          <a:bodyPr wrap="square" rtlCol="0">
-            <a:spAutoFit/>
-          </a:bodyPr>
-          <a:lstStyle/>
-          <a:p>
-            <a:pPr algn="ctr"/>
-            <a:r>
-              <a:rPr lang="ru-BY" sz="3600" i="1" dirty="0">
-                <a:latin typeface="ISOCPEUR" panose="020B0604020202020204" pitchFamily="34" charset="0"/>
-              </a:rPr>
-              <a:t>Рисунок 8</a:t>
-            </a:r>
-          </a:p>
-        </p:txBody>
-      </p:sp>
-      <p:sp>
-        <p:nvSpPr>
-          <p:cNvPr id="34" name="TextBox 33">
-            <a:extLst>
-              <a:ext uri="{FF2B5EF4-FFF2-40B4-BE49-F238E27FC236}">
-                <a16:creationId xmlns:a16="http://schemas.microsoft.com/office/drawing/2014/main" id="{73DB7AFB-DEAE-E549-AC06-2E3C3520C2F2}"/>
-              </a:ext>
-            </a:extLst>
-          </p:cNvPr>
-          <p:cNvSpPr txBox="1"/>
-          <p:nvPr/>
-        </p:nvSpPr>
-        <p:spPr>
-          <a:xfrm>
-            <a:off x="19386720" y="19900251"/>
-            <a:ext cx="3239000" cy="646331"/>
-          </a:xfrm>
-          <a:prstGeom prst="rect">
-            <a:avLst/>
-          </a:prstGeom>
-          <a:noFill/>
-        </p:spPr>
-        <p:txBody>
-          <a:bodyPr wrap="square" rtlCol="0">
-            <a:spAutoFit/>
-          </a:bodyPr>
-          <a:lstStyle/>
-          <a:p>
-            <a:pPr algn="ctr"/>
-            <a:r>
-              <a:rPr lang="ru-BY" sz="3600" i="1" dirty="0">
-                <a:latin typeface="ISOCPEUR" panose="020B0604020202020204" pitchFamily="34" charset="0"/>
-              </a:rPr>
-              <a:t>Рисунок 9</a:t>
-            </a:r>
-          </a:p>
-        </p:txBody>
-      </p:sp>
-      <p:sp>
-        <p:nvSpPr>
-          <p:cNvPr id="35" name="TextBox 34">
-            <a:extLst>
-              <a:ext uri="{FF2B5EF4-FFF2-40B4-BE49-F238E27FC236}">
-                <a16:creationId xmlns:a16="http://schemas.microsoft.com/office/drawing/2014/main" id="{8E98AEB5-199A-1749-8767-B2DF50EB4F15}"/>
-              </a:ext>
-            </a:extLst>
-          </p:cNvPr>
-          <p:cNvSpPr txBox="1"/>
-          <p:nvPr/>
-        </p:nvSpPr>
-        <p:spPr>
-          <a:xfrm>
-            <a:off x="25302246" y="19900250"/>
-            <a:ext cx="3239000" cy="646331"/>
-          </a:xfrm>
-          <a:prstGeom prst="rect">
-            <a:avLst/>
-          </a:prstGeom>
-          <a:noFill/>
-        </p:spPr>
-        <p:txBody>
-          <a:bodyPr wrap="square" rtlCol="0">
-            <a:spAutoFit/>
-          </a:bodyPr>
-          <a:lstStyle/>
-          <a:p>
-            <a:pPr algn="ctr"/>
-            <a:r>
-              <a:rPr lang="ru-BY" sz="3600" i="1" dirty="0">
-                <a:latin typeface="ISOCPEUR" panose="020B0604020202020204" pitchFamily="34" charset="0"/>
-              </a:rPr>
-              <a:t>Рисунок 10</a:t>
             </a:r>
           </a:p>
         </p:txBody>

--- a/2 Графический материал/А1-Пользовательский-интерфейс.pptx
+++ b/2 Графический материал/А1-Пользовательский-интерфейс.pptx
@@ -254,7 +254,7 @@
           <a:p>
             <a:fld id="{E8A4B1B9-4F36-7644-AF30-79E82A5C06E8}" type="datetimeFigureOut">
               <a:rPr lang="ru-BY" smtClean="0"/>
-              <a:t>28.05.2020</a:t>
+              <a:t>31.05.2020</a:t>
             </a:fld>
             <a:endParaRPr lang="ru-BY"/>
           </a:p>
@@ -424,7 +424,7 @@
           <a:p>
             <a:fld id="{E8A4B1B9-4F36-7644-AF30-79E82A5C06E8}" type="datetimeFigureOut">
               <a:rPr lang="ru-BY" smtClean="0"/>
-              <a:t>28.05.2020</a:t>
+              <a:t>31.05.2020</a:t>
             </a:fld>
             <a:endParaRPr lang="ru-BY"/>
           </a:p>
@@ -604,7 +604,7 @@
           <a:p>
             <a:fld id="{E8A4B1B9-4F36-7644-AF30-79E82A5C06E8}" type="datetimeFigureOut">
               <a:rPr lang="ru-BY" smtClean="0"/>
-              <a:t>28.05.2020</a:t>
+              <a:t>31.05.2020</a:t>
             </a:fld>
             <a:endParaRPr lang="ru-BY"/>
           </a:p>
@@ -774,7 +774,7 @@
           <a:p>
             <a:fld id="{E8A4B1B9-4F36-7644-AF30-79E82A5C06E8}" type="datetimeFigureOut">
               <a:rPr lang="ru-BY" smtClean="0"/>
-              <a:t>28.05.2020</a:t>
+              <a:t>31.05.2020</a:t>
             </a:fld>
             <a:endParaRPr lang="ru-BY"/>
           </a:p>
@@ -1018,7 +1018,7 @@
           <a:p>
             <a:fld id="{E8A4B1B9-4F36-7644-AF30-79E82A5C06E8}" type="datetimeFigureOut">
               <a:rPr lang="ru-BY" smtClean="0"/>
-              <a:t>28.05.2020</a:t>
+              <a:t>31.05.2020</a:t>
             </a:fld>
             <a:endParaRPr lang="ru-BY"/>
           </a:p>
@@ -1250,7 +1250,7 @@
           <a:p>
             <a:fld id="{E8A4B1B9-4F36-7644-AF30-79E82A5C06E8}" type="datetimeFigureOut">
               <a:rPr lang="ru-BY" smtClean="0"/>
-              <a:t>28.05.2020</a:t>
+              <a:t>31.05.2020</a:t>
             </a:fld>
             <a:endParaRPr lang="ru-BY"/>
           </a:p>
@@ -1617,7 +1617,7 @@
           <a:p>
             <a:fld id="{E8A4B1B9-4F36-7644-AF30-79E82A5C06E8}" type="datetimeFigureOut">
               <a:rPr lang="ru-BY" smtClean="0"/>
-              <a:t>28.05.2020</a:t>
+              <a:t>31.05.2020</a:t>
             </a:fld>
             <a:endParaRPr lang="ru-BY"/>
           </a:p>
@@ -1735,7 +1735,7 @@
           <a:p>
             <a:fld id="{E8A4B1B9-4F36-7644-AF30-79E82A5C06E8}" type="datetimeFigureOut">
               <a:rPr lang="ru-BY" smtClean="0"/>
-              <a:t>28.05.2020</a:t>
+              <a:t>31.05.2020</a:t>
             </a:fld>
             <a:endParaRPr lang="ru-BY"/>
           </a:p>
@@ -1830,7 +1830,7 @@
           <a:p>
             <a:fld id="{E8A4B1B9-4F36-7644-AF30-79E82A5C06E8}" type="datetimeFigureOut">
               <a:rPr lang="ru-BY" smtClean="0"/>
-              <a:t>28.05.2020</a:t>
+              <a:t>31.05.2020</a:t>
             </a:fld>
             <a:endParaRPr lang="ru-BY"/>
           </a:p>
@@ -2107,7 +2107,7 @@
           <a:p>
             <a:fld id="{E8A4B1B9-4F36-7644-AF30-79E82A5C06E8}" type="datetimeFigureOut">
               <a:rPr lang="ru-BY" smtClean="0"/>
-              <a:t>28.05.2020</a:t>
+              <a:t>31.05.2020</a:t>
             </a:fld>
             <a:endParaRPr lang="ru-BY"/>
           </a:p>
@@ -2364,7 +2364,7 @@
           <a:p>
             <a:fld id="{E8A4B1B9-4F36-7644-AF30-79E82A5C06E8}" type="datetimeFigureOut">
               <a:rPr lang="ru-BY" smtClean="0"/>
-              <a:t>28.05.2020</a:t>
+              <a:t>31.05.2020</a:t>
             </a:fld>
             <a:endParaRPr lang="ru-BY"/>
           </a:p>
@@ -2577,7 +2577,7 @@
           <a:p>
             <a:fld id="{E8A4B1B9-4F36-7644-AF30-79E82A5C06E8}" type="datetimeFigureOut">
               <a:rPr lang="ru-BY" smtClean="0"/>
-              <a:t>28.05.2020</a:t>
+              <a:t>31.05.2020</a:t>
             </a:fld>
             <a:endParaRPr lang="ru-BY"/>
           </a:p>
@@ -2996,7 +2996,7 @@
           </p:cNvPicPr>
           <p:nvPr/>
         </p:nvPicPr>
-        <p:blipFill>
+        <p:blipFill rotWithShape="1">
           <a:blip r:embed="rId2" cstate="print">
             <a:extLst>
               <a:ext uri="{28A0092B-C50C-407E-A947-70E740481C1C}">
@@ -3004,14 +3004,13 @@
               </a:ext>
             </a:extLst>
           </a:blip>
-          <a:stretch>
-            <a:fillRect/>
-          </a:stretch>
+          <a:srcRect t="3225" b="5280"/>
+          <a:stretch/>
         </p:blipFill>
         <p:spPr>
           <a:xfrm>
-            <a:off x="19389420" y="2186504"/>
-            <a:ext cx="3240000" cy="7200000"/>
+            <a:off x="19389420" y="2683427"/>
+            <a:ext cx="3240000" cy="6587615"/>
           </a:xfrm>
           <a:prstGeom prst="rect">
             <a:avLst/>
@@ -3032,7 +3031,7 @@
           </p:cNvPicPr>
           <p:nvPr/>
         </p:nvPicPr>
-        <p:blipFill>
+        <p:blipFill rotWithShape="1">
           <a:blip r:embed="rId3" cstate="print">
             <a:extLst>
               <a:ext uri="{28A0092B-C50C-407E-A947-70E740481C1C}">
@@ -3040,14 +3039,13 @@
               </a:ext>
             </a:extLst>
           </a:blip>
-          <a:stretch>
-            <a:fillRect/>
-          </a:stretch>
+          <a:srcRect t="3272" b="5233"/>
+          <a:stretch/>
         </p:blipFill>
         <p:spPr>
           <a:xfrm>
-            <a:off x="25308245" y="2183190"/>
-            <a:ext cx="3240000" cy="7200000"/>
+            <a:off x="25308245" y="2683427"/>
+            <a:ext cx="3240000" cy="6587615"/>
           </a:xfrm>
           <a:prstGeom prst="rect">
             <a:avLst/>
@@ -3068,7 +3066,7 @@
           </p:cNvPicPr>
           <p:nvPr/>
         </p:nvPicPr>
-        <p:blipFill>
+        <p:blipFill rotWithShape="1">
           <a:blip r:embed="rId4" cstate="print">
             <a:extLst>
               <a:ext uri="{28A0092B-C50C-407E-A947-70E740481C1C}">
@@ -3076,14 +3074,13 @@
               </a:ext>
             </a:extLst>
           </a:blip>
-          <a:stretch>
-            <a:fillRect/>
-          </a:stretch>
+          <a:srcRect t="3174" b="5437"/>
+          <a:stretch/>
         </p:blipFill>
         <p:spPr>
           <a:xfrm>
-            <a:off x="7554068" y="11266855"/>
-            <a:ext cx="3240000" cy="7200000"/>
+            <a:off x="7554068" y="11760006"/>
+            <a:ext cx="3240000" cy="6580035"/>
           </a:xfrm>
           <a:prstGeom prst="rect">
             <a:avLst/>
@@ -3104,7 +3101,7 @@
           </p:cNvPicPr>
           <p:nvPr/>
         </p:nvPicPr>
-        <p:blipFill>
+        <p:blipFill rotWithShape="1">
           <a:blip r:embed="rId5" cstate="print">
             <a:extLst>
               <a:ext uri="{28A0092B-C50C-407E-A947-70E740481C1C}">
@@ -3112,14 +3109,13 @@
               </a:ext>
             </a:extLst>
           </a:blip>
-          <a:stretch>
-            <a:fillRect/>
-          </a:stretch>
+          <a:srcRect t="3174" b="5437"/>
+          <a:stretch/>
         </p:blipFill>
         <p:spPr>
           <a:xfrm>
-            <a:off x="1635626" y="11266854"/>
-            <a:ext cx="3239600" cy="7200000"/>
+            <a:off x="1635626" y="11760007"/>
+            <a:ext cx="3239600" cy="6580035"/>
           </a:xfrm>
           <a:prstGeom prst="rect">
             <a:avLst/>
@@ -3140,7 +3136,7 @@
           </p:cNvPicPr>
           <p:nvPr/>
         </p:nvPicPr>
-        <p:blipFill>
+        <p:blipFill rotWithShape="1">
           <a:blip r:embed="rId6" cstate="print">
             <a:extLst>
               <a:ext uri="{28A0092B-C50C-407E-A947-70E740481C1C}">
@@ -3148,14 +3144,13 @@
               </a:ext>
             </a:extLst>
           </a:blip>
-          <a:stretch>
-            <a:fillRect/>
-          </a:stretch>
+          <a:srcRect t="3174" b="5437"/>
+          <a:stretch/>
         </p:blipFill>
         <p:spPr>
           <a:xfrm>
-            <a:off x="19391459" y="11266854"/>
-            <a:ext cx="3239600" cy="7200000"/>
+            <a:off x="19391459" y="11760006"/>
+            <a:ext cx="3239600" cy="6580036"/>
           </a:xfrm>
           <a:prstGeom prst="rect">
             <a:avLst/>
@@ -3176,7 +3171,7 @@
           </p:cNvPicPr>
           <p:nvPr/>
         </p:nvPicPr>
-        <p:blipFill>
+        <p:blipFill rotWithShape="1">
           <a:blip r:embed="rId7" cstate="print">
             <a:extLst>
               <a:ext uri="{28A0092B-C50C-407E-A947-70E740481C1C}">
@@ -3184,14 +3179,13 @@
               </a:ext>
             </a:extLst>
           </a:blip>
-          <a:stretch>
-            <a:fillRect/>
-          </a:stretch>
+          <a:srcRect t="3174" b="5437"/>
+          <a:stretch/>
         </p:blipFill>
         <p:spPr>
           <a:xfrm>
-            <a:off x="13470594" y="11266854"/>
-            <a:ext cx="3239600" cy="7200000"/>
+            <a:off x="13470594" y="11760006"/>
+            <a:ext cx="3239600" cy="6580036"/>
           </a:xfrm>
           <a:prstGeom prst="rect">
             <a:avLst/>
@@ -3212,7 +3206,7 @@
           </p:cNvPicPr>
           <p:nvPr/>
         </p:nvPicPr>
-        <p:blipFill>
+        <p:blipFill rotWithShape="1">
           <a:blip r:embed="rId8" cstate="print">
             <a:extLst>
               <a:ext uri="{28A0092B-C50C-407E-A947-70E740481C1C}">
@@ -3220,14 +3214,13 @@
               </a:ext>
             </a:extLst>
           </a:blip>
-          <a:stretch>
-            <a:fillRect/>
-          </a:stretch>
+          <a:srcRect t="3318" b="5188"/>
+          <a:stretch/>
         </p:blipFill>
         <p:spPr>
           <a:xfrm>
-            <a:off x="7554067" y="2179875"/>
-            <a:ext cx="3240000" cy="7200000"/>
+            <a:off x="7554067" y="2683428"/>
+            <a:ext cx="3240000" cy="6587614"/>
           </a:xfrm>
           <a:prstGeom prst="rect">
             <a:avLst/>
@@ -3248,7 +3241,7 @@
           </p:cNvPicPr>
           <p:nvPr/>
         </p:nvPicPr>
-        <p:blipFill>
+        <p:blipFill rotWithShape="1">
           <a:blip r:embed="rId9" cstate="print">
             <a:extLst>
               <a:ext uri="{28A0092B-C50C-407E-A947-70E740481C1C}">
@@ -3256,14 +3249,13 @@
               </a:ext>
             </a:extLst>
           </a:blip>
-          <a:stretch>
-            <a:fillRect/>
-          </a:stretch>
+          <a:srcRect t="3174" b="5437"/>
+          <a:stretch/>
         </p:blipFill>
         <p:spPr>
           <a:xfrm>
-            <a:off x="25312161" y="11266854"/>
-            <a:ext cx="3239600" cy="7200000"/>
+            <a:off x="25312161" y="11760006"/>
+            <a:ext cx="3239600" cy="6580036"/>
           </a:xfrm>
           <a:prstGeom prst="rect">
             <a:avLst/>
@@ -3284,7 +3276,7 @@
           </p:cNvPicPr>
           <p:nvPr/>
         </p:nvPicPr>
-        <p:blipFill>
+        <p:blipFill rotWithShape="1">
           <a:blip r:embed="rId10" cstate="print">
             <a:extLst>
               <a:ext uri="{28A0092B-C50C-407E-A947-70E740481C1C}">
@@ -3292,14 +3284,13 @@
               </a:ext>
             </a:extLst>
           </a:blip>
-          <a:stretch>
-            <a:fillRect/>
-          </a:stretch>
+          <a:srcRect t="3226" b="5279"/>
+          <a:stretch/>
         </p:blipFill>
         <p:spPr>
           <a:xfrm>
-            <a:off x="1636390" y="2186504"/>
-            <a:ext cx="3239000" cy="7200000"/>
+            <a:off x="1636390" y="2683428"/>
+            <a:ext cx="3239000" cy="6587614"/>
           </a:xfrm>
           <a:prstGeom prst="rect">
             <a:avLst/>
@@ -3320,7 +3311,7 @@
           </p:cNvPicPr>
           <p:nvPr/>
         </p:nvPicPr>
-        <p:blipFill>
+        <p:blipFill rotWithShape="1">
           <a:blip r:embed="rId11" cstate="print">
             <a:extLst>
               <a:ext uri="{28A0092B-C50C-407E-A947-70E740481C1C}">
@@ -3328,14 +3319,13 @@
               </a:ext>
             </a:extLst>
           </a:blip>
-          <a:stretch>
-            <a:fillRect/>
-          </a:stretch>
+          <a:srcRect t="3318" b="5188"/>
+          <a:stretch/>
         </p:blipFill>
         <p:spPr>
           <a:xfrm>
-            <a:off x="13470594" y="2179875"/>
-            <a:ext cx="3240200" cy="7200000"/>
+            <a:off x="13470594" y="2683428"/>
+            <a:ext cx="3240200" cy="6587614"/>
           </a:xfrm>
           <a:prstGeom prst="rect">
             <a:avLst/>
@@ -3356,7 +3346,7 @@
         </p:nvSpPr>
         <p:spPr>
           <a:xfrm>
-            <a:off x="560352" y="9386504"/>
+            <a:off x="560352" y="9266189"/>
             <a:ext cx="5390148" cy="1200329"/>
           </a:xfrm>
           <a:prstGeom prst="rect">
@@ -3406,7 +3396,7 @@
         </p:nvSpPr>
         <p:spPr>
           <a:xfrm>
-            <a:off x="12401735" y="18460946"/>
+            <a:off x="12401735" y="18340631"/>
             <a:ext cx="5390148" cy="1754326"/>
           </a:xfrm>
           <a:prstGeom prst="rect">
@@ -3456,7 +3446,7 @@
         </p:nvSpPr>
         <p:spPr>
           <a:xfrm>
-            <a:off x="6478993" y="9386504"/>
+            <a:off x="6478993" y="9266189"/>
             <a:ext cx="5390148" cy="1200329"/>
           </a:xfrm>
           <a:prstGeom prst="rect">
@@ -3506,7 +3496,7 @@
         </p:nvSpPr>
         <p:spPr>
           <a:xfrm>
-            <a:off x="12395320" y="9386504"/>
+            <a:off x="12395320" y="9266189"/>
             <a:ext cx="5390148" cy="1200329"/>
           </a:xfrm>
           <a:prstGeom prst="rect">
@@ -3556,7 +3546,7 @@
         </p:nvSpPr>
         <p:spPr>
           <a:xfrm>
-            <a:off x="18314346" y="9379875"/>
+            <a:off x="18314346" y="9259560"/>
             <a:ext cx="5390148" cy="1200329"/>
           </a:xfrm>
           <a:prstGeom prst="rect">
@@ -3606,7 +3596,7 @@
         </p:nvSpPr>
         <p:spPr>
           <a:xfrm>
-            <a:off x="24233171" y="9386504"/>
+            <a:off x="24233171" y="9266189"/>
             <a:ext cx="5390148" cy="646331"/>
           </a:xfrm>
           <a:prstGeom prst="rect">
@@ -3656,7 +3646,7 @@
         </p:nvSpPr>
         <p:spPr>
           <a:xfrm>
-            <a:off x="6482910" y="18467426"/>
+            <a:off x="6482910" y="18347111"/>
             <a:ext cx="5390148" cy="1754326"/>
           </a:xfrm>
           <a:prstGeom prst="rect">
@@ -3706,7 +3696,7 @@
         </p:nvSpPr>
         <p:spPr>
           <a:xfrm>
-            <a:off x="570299" y="18460945"/>
+            <a:off x="570299" y="18340630"/>
             <a:ext cx="5390148" cy="1200329"/>
           </a:xfrm>
           <a:prstGeom prst="rect">
@@ -3756,7 +3746,7 @@
         </p:nvSpPr>
         <p:spPr>
           <a:xfrm>
-            <a:off x="18314346" y="18466854"/>
+            <a:off x="18314346" y="18346539"/>
             <a:ext cx="5390148" cy="1200329"/>
           </a:xfrm>
           <a:prstGeom prst="rect">
@@ -3806,7 +3796,7 @@
         </p:nvSpPr>
         <p:spPr>
           <a:xfrm>
-            <a:off x="24233171" y="18460946"/>
+            <a:off x="24233171" y="18340631"/>
             <a:ext cx="5390148" cy="1200329"/>
           </a:xfrm>
           <a:prstGeom prst="rect">

--- a/2 Графический материал/А1-Пользовательский-интерфейс.pptx
+++ b/2 Графический материал/А1-Пользовательский-интерфейс.pptx
@@ -254,7 +254,7 @@
           <a:p>
             <a:fld id="{E8A4B1B9-4F36-7644-AF30-79E82A5C06E8}" type="datetimeFigureOut">
               <a:rPr lang="ru-BY" smtClean="0"/>
-              <a:t>31.05.2020</a:t>
+              <a:t>03.06.2020</a:t>
             </a:fld>
             <a:endParaRPr lang="ru-BY"/>
           </a:p>
@@ -424,7 +424,7 @@
           <a:p>
             <a:fld id="{E8A4B1B9-4F36-7644-AF30-79E82A5C06E8}" type="datetimeFigureOut">
               <a:rPr lang="ru-BY" smtClean="0"/>
-              <a:t>31.05.2020</a:t>
+              <a:t>03.06.2020</a:t>
             </a:fld>
             <a:endParaRPr lang="ru-BY"/>
           </a:p>
@@ -604,7 +604,7 @@
           <a:p>
             <a:fld id="{E8A4B1B9-4F36-7644-AF30-79E82A5C06E8}" type="datetimeFigureOut">
               <a:rPr lang="ru-BY" smtClean="0"/>
-              <a:t>31.05.2020</a:t>
+              <a:t>03.06.2020</a:t>
             </a:fld>
             <a:endParaRPr lang="ru-BY"/>
           </a:p>
@@ -774,7 +774,7 @@
           <a:p>
             <a:fld id="{E8A4B1B9-4F36-7644-AF30-79E82A5C06E8}" type="datetimeFigureOut">
               <a:rPr lang="ru-BY" smtClean="0"/>
-              <a:t>31.05.2020</a:t>
+              <a:t>03.06.2020</a:t>
             </a:fld>
             <a:endParaRPr lang="ru-BY"/>
           </a:p>
@@ -1018,7 +1018,7 @@
           <a:p>
             <a:fld id="{E8A4B1B9-4F36-7644-AF30-79E82A5C06E8}" type="datetimeFigureOut">
               <a:rPr lang="ru-BY" smtClean="0"/>
-              <a:t>31.05.2020</a:t>
+              <a:t>03.06.2020</a:t>
             </a:fld>
             <a:endParaRPr lang="ru-BY"/>
           </a:p>
@@ -1250,7 +1250,7 @@
           <a:p>
             <a:fld id="{E8A4B1B9-4F36-7644-AF30-79E82A5C06E8}" type="datetimeFigureOut">
               <a:rPr lang="ru-BY" smtClean="0"/>
-              <a:t>31.05.2020</a:t>
+              <a:t>03.06.2020</a:t>
             </a:fld>
             <a:endParaRPr lang="ru-BY"/>
           </a:p>
@@ -1617,7 +1617,7 @@
           <a:p>
             <a:fld id="{E8A4B1B9-4F36-7644-AF30-79E82A5C06E8}" type="datetimeFigureOut">
               <a:rPr lang="ru-BY" smtClean="0"/>
-              <a:t>31.05.2020</a:t>
+              <a:t>03.06.2020</a:t>
             </a:fld>
             <a:endParaRPr lang="ru-BY"/>
           </a:p>
@@ -1735,7 +1735,7 @@
           <a:p>
             <a:fld id="{E8A4B1B9-4F36-7644-AF30-79E82A5C06E8}" type="datetimeFigureOut">
               <a:rPr lang="ru-BY" smtClean="0"/>
-              <a:t>31.05.2020</a:t>
+              <a:t>03.06.2020</a:t>
             </a:fld>
             <a:endParaRPr lang="ru-BY"/>
           </a:p>
@@ -1830,7 +1830,7 @@
           <a:p>
             <a:fld id="{E8A4B1B9-4F36-7644-AF30-79E82A5C06E8}" type="datetimeFigureOut">
               <a:rPr lang="ru-BY" smtClean="0"/>
-              <a:t>31.05.2020</a:t>
+              <a:t>03.06.2020</a:t>
             </a:fld>
             <a:endParaRPr lang="ru-BY"/>
           </a:p>
@@ -2107,7 +2107,7 @@
           <a:p>
             <a:fld id="{E8A4B1B9-4F36-7644-AF30-79E82A5C06E8}" type="datetimeFigureOut">
               <a:rPr lang="ru-BY" smtClean="0"/>
-              <a:t>31.05.2020</a:t>
+              <a:t>03.06.2020</a:t>
             </a:fld>
             <a:endParaRPr lang="ru-BY"/>
           </a:p>
@@ -2364,7 +2364,7 @@
           <a:p>
             <a:fld id="{E8A4B1B9-4F36-7644-AF30-79E82A5C06E8}" type="datetimeFigureOut">
               <a:rPr lang="ru-BY" smtClean="0"/>
-              <a:t>31.05.2020</a:t>
+              <a:t>03.06.2020</a:t>
             </a:fld>
             <a:endParaRPr lang="ru-BY"/>
           </a:p>
@@ -2577,7 +2577,7 @@
           <a:p>
             <a:fld id="{E8A4B1B9-4F36-7644-AF30-79E82A5C06E8}" type="datetimeFigureOut">
               <a:rPr lang="ru-BY" smtClean="0"/>
-              <a:t>31.05.2020</a:t>
+              <a:t>03.06.2020</a:t>
             </a:fld>
             <a:endParaRPr lang="ru-BY"/>
           </a:p>
@@ -3015,6 +3015,14 @@
           <a:prstGeom prst="rect">
             <a:avLst/>
           </a:prstGeom>
+          <a:ln>
+            <a:solidFill>
+              <a:schemeClr val="tx1">
+                <a:lumMod val="50000"/>
+                <a:lumOff val="50000"/>
+              </a:schemeClr>
+            </a:solidFill>
+          </a:ln>
         </p:spPr>
       </p:pic>
       <p:pic>
@@ -3050,6 +3058,14 @@
           <a:prstGeom prst="rect">
             <a:avLst/>
           </a:prstGeom>
+          <a:ln>
+            <a:solidFill>
+              <a:schemeClr val="tx1">
+                <a:lumMod val="50000"/>
+                <a:lumOff val="50000"/>
+              </a:schemeClr>
+            </a:solidFill>
+          </a:ln>
         </p:spPr>
       </p:pic>
       <p:pic>
@@ -3085,6 +3101,14 @@
           <a:prstGeom prst="rect">
             <a:avLst/>
           </a:prstGeom>
+          <a:ln>
+            <a:solidFill>
+              <a:schemeClr val="tx1">
+                <a:lumMod val="50000"/>
+                <a:lumOff val="50000"/>
+              </a:schemeClr>
+            </a:solidFill>
+          </a:ln>
         </p:spPr>
       </p:pic>
       <p:pic>
@@ -3120,6 +3144,14 @@
           <a:prstGeom prst="rect">
             <a:avLst/>
           </a:prstGeom>
+          <a:ln>
+            <a:solidFill>
+              <a:schemeClr val="tx1">
+                <a:lumMod val="50000"/>
+                <a:lumOff val="50000"/>
+              </a:schemeClr>
+            </a:solidFill>
+          </a:ln>
         </p:spPr>
       </p:pic>
       <p:pic>
@@ -3155,6 +3187,14 @@
           <a:prstGeom prst="rect">
             <a:avLst/>
           </a:prstGeom>
+          <a:ln>
+            <a:solidFill>
+              <a:schemeClr val="tx1">
+                <a:lumMod val="50000"/>
+                <a:lumOff val="50000"/>
+              </a:schemeClr>
+            </a:solidFill>
+          </a:ln>
         </p:spPr>
       </p:pic>
       <p:pic>
@@ -3190,6 +3230,14 @@
           <a:prstGeom prst="rect">
             <a:avLst/>
           </a:prstGeom>
+          <a:ln>
+            <a:solidFill>
+              <a:schemeClr val="tx1">
+                <a:lumMod val="50000"/>
+                <a:lumOff val="50000"/>
+              </a:schemeClr>
+            </a:solidFill>
+          </a:ln>
         </p:spPr>
       </p:pic>
       <p:pic>
@@ -3225,6 +3273,14 @@
           <a:prstGeom prst="rect">
             <a:avLst/>
           </a:prstGeom>
+          <a:ln>
+            <a:solidFill>
+              <a:schemeClr val="tx1">
+                <a:lumMod val="50000"/>
+                <a:lumOff val="50000"/>
+              </a:schemeClr>
+            </a:solidFill>
+          </a:ln>
         </p:spPr>
       </p:pic>
       <p:pic>
@@ -3260,6 +3316,14 @@
           <a:prstGeom prst="rect">
             <a:avLst/>
           </a:prstGeom>
+          <a:ln>
+            <a:solidFill>
+              <a:schemeClr val="tx1">
+                <a:lumMod val="50000"/>
+                <a:lumOff val="50000"/>
+              </a:schemeClr>
+            </a:solidFill>
+          </a:ln>
         </p:spPr>
       </p:pic>
       <p:pic>
@@ -3295,6 +3359,14 @@
           <a:prstGeom prst="rect">
             <a:avLst/>
           </a:prstGeom>
+          <a:ln>
+            <a:solidFill>
+              <a:schemeClr val="tx1">
+                <a:lumMod val="50000"/>
+                <a:lumOff val="50000"/>
+              </a:schemeClr>
+            </a:solidFill>
+          </a:ln>
         </p:spPr>
       </p:pic>
       <p:pic>
@@ -3330,6 +3402,14 @@
           <a:prstGeom prst="rect">
             <a:avLst/>
           </a:prstGeom>
+          <a:ln>
+            <a:solidFill>
+              <a:schemeClr val="tx1">
+                <a:lumMod val="50000"/>
+                <a:lumOff val="50000"/>
+              </a:schemeClr>
+            </a:solidFill>
+          </a:ln>
         </p:spPr>
       </p:pic>
       <p:sp>
